--- a/Html.pptx
+++ b/Html.pptx
@@ -217,7 +217,7 @@
             <a:fld id="{1DB37E9A-4220-4D7F-98B4-C169DD625602}" type="datetimeFigureOut">
               <a:rPr lang="en-US" smtClean="0"/>
               <a:pPr/>
-              <a:t>7/24/2018</a:t>
+              <a:t>6/17/2020</a:t>
             </a:fld>
             <a:endParaRPr lang="en-US"/>
           </a:p>
@@ -1385,7 +1385,7 @@
             <a:fld id="{02FB02AC-6D7B-43C0-8CF0-2E6F07AF69BC}" type="datetimeFigureOut">
               <a:rPr lang="en-US" smtClean="0"/>
               <a:pPr/>
-              <a:t>7/24/2018</a:t>
+              <a:t>6/17/2020</a:t>
             </a:fld>
             <a:endParaRPr lang="en-US"/>
           </a:p>
@@ -1577,7 +1577,7 @@
             <a:fld id="{02FB02AC-6D7B-43C0-8CF0-2E6F07AF69BC}" type="datetimeFigureOut">
               <a:rPr lang="en-US" smtClean="0"/>
               <a:pPr/>
-              <a:t>7/24/2018</a:t>
+              <a:t>6/17/2020</a:t>
             </a:fld>
             <a:endParaRPr lang="en-US"/>
           </a:p>
@@ -1759,7 +1759,7 @@
             <a:fld id="{02FB02AC-6D7B-43C0-8CF0-2E6F07AF69BC}" type="datetimeFigureOut">
               <a:rPr lang="en-US" smtClean="0"/>
               <a:pPr/>
-              <a:t>7/24/2018</a:t>
+              <a:t>6/17/2020</a:t>
             </a:fld>
             <a:endParaRPr lang="en-US"/>
           </a:p>
@@ -1931,7 +1931,7 @@
             <a:fld id="{02FB02AC-6D7B-43C0-8CF0-2E6F07AF69BC}" type="datetimeFigureOut">
               <a:rPr lang="en-US" smtClean="0"/>
               <a:pPr/>
-              <a:t>7/24/2018</a:t>
+              <a:t>6/17/2020</a:t>
             </a:fld>
             <a:endParaRPr lang="en-US"/>
           </a:p>
@@ -2189,7 +2189,7 @@
             <a:fld id="{02FB02AC-6D7B-43C0-8CF0-2E6F07AF69BC}" type="datetimeFigureOut">
               <a:rPr lang="en-US" smtClean="0"/>
               <a:pPr/>
-              <a:t>7/24/2018</a:t>
+              <a:t>6/17/2020</a:t>
             </a:fld>
             <a:endParaRPr lang="en-US"/>
           </a:p>
@@ -2479,7 +2479,7 @@
             <a:fld id="{02FB02AC-6D7B-43C0-8CF0-2E6F07AF69BC}" type="datetimeFigureOut">
               <a:rPr lang="en-US" smtClean="0"/>
               <a:pPr/>
-              <a:t>7/24/2018</a:t>
+              <a:t>6/17/2020</a:t>
             </a:fld>
             <a:endParaRPr lang="en-US"/>
           </a:p>
@@ -2919,7 +2919,7 @@
             <a:fld id="{02FB02AC-6D7B-43C0-8CF0-2E6F07AF69BC}" type="datetimeFigureOut">
               <a:rPr lang="en-US" smtClean="0"/>
               <a:pPr/>
-              <a:t>7/24/2018</a:t>
+              <a:t>6/17/2020</a:t>
             </a:fld>
             <a:endParaRPr lang="en-US"/>
           </a:p>
@@ -3039,7 +3039,7 @@
             <a:fld id="{02FB02AC-6D7B-43C0-8CF0-2E6F07AF69BC}" type="datetimeFigureOut">
               <a:rPr lang="en-US" smtClean="0"/>
               <a:pPr/>
-              <a:t>7/24/2018</a:t>
+              <a:t>6/17/2020</a:t>
             </a:fld>
             <a:endParaRPr lang="en-US"/>
           </a:p>
@@ -3136,7 +3136,7 @@
             <a:fld id="{02FB02AC-6D7B-43C0-8CF0-2E6F07AF69BC}" type="datetimeFigureOut">
               <a:rPr lang="en-US" smtClean="0"/>
               <a:pPr/>
-              <a:t>7/24/2018</a:t>
+              <a:t>6/17/2020</a:t>
             </a:fld>
             <a:endParaRPr lang="en-US"/>
           </a:p>
@@ -3494,7 +3494,7 @@
             <a:fld id="{02FB02AC-6D7B-43C0-8CF0-2E6F07AF69BC}" type="datetimeFigureOut">
               <a:rPr lang="en-US" smtClean="0"/>
               <a:pPr/>
-              <a:t>7/24/2018</a:t>
+              <a:t>6/17/2020</a:t>
             </a:fld>
             <a:endParaRPr lang="en-US"/>
           </a:p>
@@ -3815,7 +3815,7 @@
             <a:fld id="{02FB02AC-6D7B-43C0-8CF0-2E6F07AF69BC}" type="datetimeFigureOut">
               <a:rPr lang="en-US" smtClean="0"/>
               <a:pPr/>
-              <a:t>7/24/2018</a:t>
+              <a:t>6/17/2020</a:t>
             </a:fld>
             <a:endParaRPr lang="en-US"/>
           </a:p>
@@ -4050,7 +4050,7 @@
             <a:fld id="{02FB02AC-6D7B-43C0-8CF0-2E6F07AF69BC}" type="datetimeFigureOut">
               <a:rPr lang="en-US" smtClean="0"/>
               <a:pPr/>
-              <a:t>7/24/2018</a:t>
+              <a:t>6/17/2020</a:t>
             </a:fld>
             <a:endParaRPr lang="en-US"/>
           </a:p>
@@ -4502,7 +4502,7 @@
           <a:bodyPr/>
           <a:lstStyle/>
           <a:p>
-            <a:pPr algn="ctr" rtl="1"/>
+            <a:pPr algn="just" rtl="1"/>
             <a:r>
               <a:rPr lang="fa-IR" b="1" dirty="0" smtClean="0">
                 <a:solidFill>
@@ -5579,10 +5579,472 @@
                 <a:ea typeface="Tahoma" pitchFamily="34" charset="0"/>
                 <a:cs typeface="2  Mehr" panose="00000700000000000000" pitchFamily="2" charset="-78"/>
               </a:rPr>
+              <a:t>در </a:t>
+            </a:r>
+            <a:r>
+              <a:rPr lang="fa-IR" sz="1200" b="1" dirty="0" smtClean="0">
+                <a:solidFill>
+                  <a:schemeClr val="tx1"/>
+                </a:solidFill>
+                <a:latin typeface="Tahoma" pitchFamily="34" charset="0"/>
+                <a:ea typeface="Tahoma" pitchFamily="34" charset="0"/>
+                <a:cs typeface="2  Mehr" panose="00000700000000000000" pitchFamily="2" charset="-78"/>
+              </a:rPr>
+              <a:t>بخش </a:t>
+            </a:r>
+            <a:r>
+              <a:rPr lang="en-US" sz="1200" b="1" dirty="0" smtClean="0">
+                <a:solidFill>
+                  <a:schemeClr val="tx1"/>
+                </a:solidFill>
+                <a:latin typeface="Tahoma" pitchFamily="34" charset="0"/>
+                <a:ea typeface="Tahoma" pitchFamily="34" charset="0"/>
+                <a:cs typeface="2  Mehr" panose="00000700000000000000" pitchFamily="2" charset="-78"/>
+              </a:rPr>
+              <a:t>CSS </a:t>
+            </a:r>
+            <a:r>
+              <a:rPr lang="fa-IR" sz="1200" b="1" dirty="0" smtClean="0">
+                <a:solidFill>
+                  <a:schemeClr val="tx1"/>
+                </a:solidFill>
+                <a:latin typeface="Tahoma" pitchFamily="34" charset="0"/>
+                <a:ea typeface="Tahoma" pitchFamily="34" charset="0"/>
+                <a:cs typeface="2  Mehr" panose="00000700000000000000" pitchFamily="2" charset="-78"/>
+              </a:rPr>
+              <a:t>نیز محدودیت‌هایی از جمله حساسیت به سطح حروف برای </a:t>
+            </a:r>
+            <a:r>
+              <a:rPr lang="en-US" sz="1200" b="1" dirty="0" smtClean="0">
+                <a:solidFill>
+                  <a:schemeClr val="tx1"/>
+                </a:solidFill>
+                <a:latin typeface="Tahoma" pitchFamily="34" charset="0"/>
+                <a:ea typeface="Tahoma" pitchFamily="34" charset="0"/>
+                <a:cs typeface="2  Mehr" panose="00000700000000000000" pitchFamily="2" charset="-78"/>
+              </a:rPr>
+              <a:t>Selector</a:t>
+            </a:r>
+            <a:r>
+              <a:rPr lang="fa-IR" sz="1200" b="1" dirty="0" smtClean="0">
+                <a:solidFill>
+                  <a:schemeClr val="tx1"/>
+                </a:solidFill>
+                <a:latin typeface="Tahoma" pitchFamily="34" charset="0"/>
+                <a:ea typeface="Tahoma" pitchFamily="34" charset="0"/>
+                <a:cs typeface="2  Mehr" panose="00000700000000000000" pitchFamily="2" charset="-78"/>
+              </a:rPr>
+              <a:t>ها در </a:t>
+            </a:r>
+            <a:r>
+              <a:rPr lang="en-US" sz="1200" b="1" dirty="0" smtClean="0">
+                <a:solidFill>
+                  <a:schemeClr val="tx1"/>
+                </a:solidFill>
+                <a:latin typeface="Tahoma" pitchFamily="34" charset="0"/>
+                <a:ea typeface="Tahoma" pitchFamily="34" charset="0"/>
+                <a:cs typeface="2  Mehr" panose="00000700000000000000" pitchFamily="2" charset="-78"/>
+              </a:rPr>
+              <a:t>XHTML </a:t>
+            </a:r>
+            <a:r>
+              <a:rPr lang="fa-IR" sz="1200" b="1" dirty="0" smtClean="0">
+                <a:solidFill>
+                  <a:schemeClr val="tx1"/>
+                </a:solidFill>
+                <a:latin typeface="Tahoma" pitchFamily="34" charset="0"/>
+                <a:ea typeface="Tahoma" pitchFamily="34" charset="0"/>
+                <a:cs typeface="2  Mehr" panose="00000700000000000000" pitchFamily="2" charset="-78"/>
+              </a:rPr>
+              <a:t>وجود دارد که ممکن است سبب دشوار شدن کار برنامه‌نویسان شود.</a:t>
+            </a:r>
+          </a:p>
+          <a:p>
+            <a:pPr marL="285750" indent="-285750" algn="r" rtl="1">
+              <a:lnSpc>
+                <a:spcPts val="2800"/>
+              </a:lnSpc>
+              <a:buClr>
+                <a:srgbClr val="FF0000"/>
+              </a:buClr>
+              <a:buFont typeface="Wingdings" panose="05000000000000000000" pitchFamily="2" charset="2"/>
+              <a:buChar char="ü"/>
+            </a:pPr>
+            <a:r>
+              <a:rPr lang="fa-IR" sz="1200" b="1" dirty="0">
+                <a:solidFill>
+                  <a:schemeClr val="tx1"/>
+                </a:solidFill>
+                <a:latin typeface="Tahoma" pitchFamily="34" charset="0"/>
+                <a:ea typeface="Tahoma" pitchFamily="34" charset="0"/>
+                <a:cs typeface="2  Mehr" panose="00000700000000000000" pitchFamily="2" charset="-78"/>
+              </a:rPr>
+              <a:t>نسخه بهبود یافته </a:t>
+            </a:r>
+            <a:r>
+              <a:rPr lang="en-US" sz="1200" b="1" dirty="0">
+                <a:solidFill>
+                  <a:schemeClr val="tx1"/>
+                </a:solidFill>
+                <a:latin typeface="Tahoma" pitchFamily="34" charset="0"/>
+                <a:ea typeface="Tahoma" pitchFamily="34" charset="0"/>
+                <a:cs typeface="2  Mehr" panose="00000700000000000000" pitchFamily="2" charset="-78"/>
+              </a:rPr>
+              <a:t>HTML </a:t>
+            </a:r>
+            <a:r>
+              <a:rPr lang="fa-IR" sz="1200" b="1" dirty="0">
+                <a:solidFill>
+                  <a:schemeClr val="tx1"/>
+                </a:solidFill>
+                <a:latin typeface="Tahoma" pitchFamily="34" charset="0"/>
+                <a:ea typeface="Tahoma" pitchFamily="34" charset="0"/>
+                <a:cs typeface="2  Mehr" panose="00000700000000000000" pitchFamily="2" charset="-78"/>
+              </a:rPr>
+              <a:t>است. ابتدا </a:t>
+            </a:r>
+            <a:r>
+              <a:rPr lang="en-US" sz="1200" b="1" dirty="0">
+                <a:solidFill>
+                  <a:schemeClr val="tx1"/>
+                </a:solidFill>
+                <a:latin typeface="Tahoma" pitchFamily="34" charset="0"/>
+                <a:ea typeface="Tahoma" pitchFamily="34" charset="0"/>
+                <a:cs typeface="2  Mehr" panose="00000700000000000000" pitchFamily="2" charset="-78"/>
+              </a:rPr>
+              <a:t>HTML </a:t>
+            </a:r>
+            <a:r>
+              <a:rPr lang="fa-IR" sz="1200" b="1" dirty="0">
+                <a:solidFill>
+                  <a:schemeClr val="tx1"/>
+                </a:solidFill>
+                <a:latin typeface="Tahoma" pitchFamily="34" charset="0"/>
+                <a:ea typeface="Tahoma" pitchFamily="34" charset="0"/>
+                <a:cs typeface="2  Mehr" panose="00000700000000000000" pitchFamily="2" charset="-78"/>
+              </a:rPr>
+              <a:t>برای ساخت صفحات وب عرضه شد و همزمان با پیشرفت های وب این زبان نیز تا نسخه </a:t>
+            </a:r>
+            <a:r>
+              <a:rPr lang="en-US" sz="1200" b="1" dirty="0">
+                <a:solidFill>
+                  <a:schemeClr val="tx1"/>
+                </a:solidFill>
+                <a:latin typeface="Tahoma" pitchFamily="34" charset="0"/>
+                <a:ea typeface="Tahoma" pitchFamily="34" charset="0"/>
+                <a:cs typeface="2  Mehr" panose="00000700000000000000" pitchFamily="2" charset="-78"/>
+              </a:rPr>
+              <a:t>HTML 4.0 </a:t>
+            </a:r>
+            <a:r>
+              <a:rPr lang="fa-IR" sz="1200" b="1" dirty="0">
+                <a:solidFill>
+                  <a:schemeClr val="tx1"/>
+                </a:solidFill>
+                <a:latin typeface="Tahoma" pitchFamily="34" charset="0"/>
+                <a:ea typeface="Tahoma" pitchFamily="34" charset="0"/>
+                <a:cs typeface="2  Mehr" panose="00000700000000000000" pitchFamily="2" charset="-78"/>
+              </a:rPr>
+              <a:t>ارتقا داده شد. با عرضه نسخه </a:t>
+            </a:r>
+            <a:r>
+              <a:rPr lang="en-US" sz="1200" b="1" dirty="0">
+                <a:solidFill>
+                  <a:schemeClr val="tx1"/>
+                </a:solidFill>
+                <a:latin typeface="Tahoma" pitchFamily="34" charset="0"/>
+                <a:ea typeface="Tahoma" pitchFamily="34" charset="0"/>
+                <a:cs typeface="2  Mehr" panose="00000700000000000000" pitchFamily="2" charset="-78"/>
+              </a:rPr>
+              <a:t>HTML 4.01 </a:t>
+            </a:r>
+            <a:r>
+              <a:rPr lang="fa-IR" sz="1200" b="1" dirty="0">
+                <a:solidFill>
+                  <a:schemeClr val="tx1"/>
+                </a:solidFill>
+                <a:latin typeface="Tahoma" pitchFamily="34" charset="0"/>
+                <a:ea typeface="Tahoma" pitchFamily="34" charset="0"/>
+                <a:cs typeface="2  Mehr" panose="00000700000000000000" pitchFamily="2" charset="-78"/>
+              </a:rPr>
+              <a:t>این زبان با قواعد </a:t>
+            </a:r>
+            <a:r>
+              <a:rPr lang="en-US" sz="1200" b="1" dirty="0">
+                <a:solidFill>
+                  <a:schemeClr val="tx1"/>
+                </a:solidFill>
+                <a:latin typeface="Tahoma" pitchFamily="34" charset="0"/>
+                <a:ea typeface="Tahoma" pitchFamily="34" charset="0"/>
+                <a:cs typeface="2  Mehr" panose="00000700000000000000" pitchFamily="2" charset="-78"/>
+              </a:rPr>
+              <a:t>XML </a:t>
+            </a:r>
+            <a:r>
+              <a:rPr lang="fa-IR" sz="1200" b="1" dirty="0">
+                <a:solidFill>
+                  <a:schemeClr val="tx1"/>
+                </a:solidFill>
+                <a:latin typeface="Tahoma" pitchFamily="34" charset="0"/>
+                <a:ea typeface="Tahoma" pitchFamily="34" charset="0"/>
+                <a:cs typeface="2  Mehr" panose="00000700000000000000" pitchFamily="2" charset="-78"/>
+              </a:rPr>
+              <a:t>ترکیب و در نهایت </a:t>
+            </a:r>
+            <a:r>
+              <a:rPr lang="en-US" sz="1200" b="1" dirty="0">
+                <a:solidFill>
+                  <a:schemeClr val="tx1"/>
+                </a:solidFill>
+                <a:latin typeface="Tahoma" pitchFamily="34" charset="0"/>
+                <a:ea typeface="Tahoma" pitchFamily="34" charset="0"/>
+                <a:cs typeface="2  Mehr" panose="00000700000000000000" pitchFamily="2" charset="-78"/>
+              </a:rPr>
+              <a:t>XHTML </a:t>
+            </a:r>
+            <a:r>
+              <a:rPr lang="fa-IR" sz="1200" b="1" dirty="0">
+                <a:solidFill>
+                  <a:schemeClr val="tx1"/>
+                </a:solidFill>
+                <a:latin typeface="Tahoma" pitchFamily="34" charset="0"/>
+                <a:ea typeface="Tahoma" pitchFamily="34" charset="0"/>
+                <a:cs typeface="2  Mehr" panose="00000700000000000000" pitchFamily="2" charset="-78"/>
+              </a:rPr>
+              <a:t>عرضه شد</a:t>
+            </a:r>
+            <a:endParaRPr lang="en-US" sz="1200" b="1" dirty="0">
+              <a:solidFill>
+                <a:schemeClr val="tx1"/>
+              </a:solidFill>
+              <a:latin typeface="Tahoma" pitchFamily="34" charset="0"/>
+              <a:ea typeface="Tahoma" pitchFamily="34" charset="0"/>
+              <a:cs typeface="2  Mehr" panose="00000700000000000000" pitchFamily="2" charset="-78"/>
+            </a:endParaRPr>
+          </a:p>
+          <a:p>
+            <a:pPr marL="285750" indent="-285750" algn="r" rtl="1">
+              <a:lnSpc>
+                <a:spcPts val="2800"/>
+              </a:lnSpc>
+              <a:buClr>
+                <a:srgbClr val="FF0000"/>
+              </a:buClr>
+              <a:buFont typeface="Wingdings" panose="05000000000000000000" pitchFamily="2" charset="2"/>
+              <a:buChar char="ü"/>
+            </a:pPr>
+            <a:r>
+              <a:rPr lang="fa-IR" sz="1200" b="1" dirty="0">
+                <a:solidFill>
+                  <a:schemeClr val="tx1"/>
+                </a:solidFill>
+                <a:latin typeface="Tahoma" pitchFamily="34" charset="0"/>
+                <a:ea typeface="Tahoma" pitchFamily="34" charset="0"/>
+                <a:cs typeface="2  Mehr" panose="00000700000000000000" pitchFamily="2" charset="-78"/>
+              </a:rPr>
+              <a:t>در </a:t>
+            </a:r>
+            <a:r>
+              <a:rPr lang="en-US" sz="1200" b="1" dirty="0">
+                <a:solidFill>
+                  <a:schemeClr val="tx1"/>
+                </a:solidFill>
+                <a:latin typeface="Tahoma" pitchFamily="34" charset="0"/>
+                <a:ea typeface="Tahoma" pitchFamily="34" charset="0"/>
+                <a:cs typeface="2  Mehr" panose="00000700000000000000" pitchFamily="2" charset="-78"/>
+              </a:rPr>
+              <a:t>XHTML </a:t>
+            </a:r>
+            <a:r>
+              <a:rPr lang="fa-IR" sz="1200" b="1" dirty="0">
+                <a:solidFill>
+                  <a:schemeClr val="tx1"/>
+                </a:solidFill>
+                <a:latin typeface="Tahoma" pitchFamily="34" charset="0"/>
+                <a:ea typeface="Tahoma" pitchFamily="34" charset="0"/>
+                <a:cs typeface="2  Mehr" panose="00000700000000000000" pitchFamily="2" charset="-78"/>
+              </a:rPr>
+              <a:t>بستن تمامی تگ ها الزامی است.</a:t>
+            </a:r>
+          </a:p>
+          <a:p>
+            <a:pPr marL="285750" indent="-285750" algn="r" rtl="1">
+              <a:lnSpc>
+                <a:spcPts val="2800"/>
+              </a:lnSpc>
+              <a:buClr>
+                <a:srgbClr val="FF0000"/>
+              </a:buClr>
+              <a:buFont typeface="Wingdings" panose="05000000000000000000" pitchFamily="2" charset="2"/>
+              <a:buChar char="ü"/>
+            </a:pPr>
+            <a:r>
+              <a:rPr lang="fa-IR" sz="1200" b="1" dirty="0">
+                <a:solidFill>
+                  <a:schemeClr val="tx1"/>
+                </a:solidFill>
+                <a:latin typeface="Tahoma" pitchFamily="34" charset="0"/>
+                <a:ea typeface="Tahoma" pitchFamily="34" charset="0"/>
+                <a:cs typeface="2  Mehr" panose="00000700000000000000" pitchFamily="2" charset="-78"/>
+              </a:rPr>
+              <a:t>در </a:t>
+            </a:r>
+            <a:r>
+              <a:rPr lang="en-US" sz="1200" b="1" dirty="0">
+                <a:solidFill>
+                  <a:schemeClr val="tx1"/>
+                </a:solidFill>
+                <a:latin typeface="Tahoma" pitchFamily="34" charset="0"/>
+                <a:ea typeface="Tahoma" pitchFamily="34" charset="0"/>
+                <a:cs typeface="2  Mehr" panose="00000700000000000000" pitchFamily="2" charset="-78"/>
+              </a:rPr>
+              <a:t>XHTML </a:t>
+            </a:r>
+            <a:r>
+              <a:rPr lang="fa-IR" sz="1200" b="1" dirty="0">
+                <a:solidFill>
+                  <a:schemeClr val="tx1"/>
+                </a:solidFill>
+                <a:latin typeface="Tahoma" pitchFamily="34" charset="0"/>
+                <a:ea typeface="Tahoma" pitchFamily="34" charset="0"/>
+                <a:cs typeface="2  Mehr" panose="00000700000000000000" pitchFamily="2" charset="-78"/>
+              </a:rPr>
+              <a:t>نام تگ ها و خاصیت های آنها باید با حروف کوچک نوشته شود.</a:t>
+            </a:r>
+          </a:p>
+          <a:p>
+            <a:pPr marL="285750" indent="-285750" algn="r" rtl="1">
+              <a:lnSpc>
+                <a:spcPts val="2800"/>
+              </a:lnSpc>
+              <a:buClr>
+                <a:srgbClr val="FF0000"/>
+              </a:buClr>
+              <a:buFont typeface="Wingdings" panose="05000000000000000000" pitchFamily="2" charset="2"/>
+              <a:buChar char="ü"/>
+            </a:pPr>
+            <a:r>
+              <a:rPr lang="fa-IR" sz="1200" b="1" dirty="0">
+                <a:solidFill>
+                  <a:schemeClr val="tx1"/>
+                </a:solidFill>
+                <a:latin typeface="Tahoma" pitchFamily="34" charset="0"/>
+                <a:ea typeface="Tahoma" pitchFamily="34" charset="0"/>
+                <a:cs typeface="2  Mehr" panose="00000700000000000000" pitchFamily="2" charset="-78"/>
+              </a:rPr>
+              <a:t>کلیه تصاویر باید دارای توضیح باشند.</a:t>
+            </a:r>
+            <a:endParaRPr lang="en-US" sz="1200" b="1" dirty="0">
+              <a:solidFill>
+                <a:schemeClr val="tx1"/>
+              </a:solidFill>
+              <a:latin typeface="Tahoma" pitchFamily="34" charset="0"/>
+              <a:ea typeface="Tahoma" pitchFamily="34" charset="0"/>
+              <a:cs typeface="2  Mehr" panose="00000700000000000000" pitchFamily="2" charset="-78"/>
+            </a:endParaRPr>
+          </a:p>
+          <a:p>
+            <a:pPr marL="285750" indent="-285750" algn="r" rtl="1">
+              <a:lnSpc>
+                <a:spcPts val="2800"/>
+              </a:lnSpc>
+              <a:buClr>
+                <a:srgbClr val="FF0000"/>
+              </a:buClr>
+              <a:buFont typeface="Wingdings" panose="05000000000000000000" pitchFamily="2" charset="2"/>
+              <a:buChar char="ü"/>
+            </a:pPr>
+            <a:r>
+              <a:rPr lang="fa-IR" sz="1200" b="1" dirty="0">
+                <a:solidFill>
+                  <a:schemeClr val="tx1"/>
+                </a:solidFill>
+                <a:latin typeface="Tahoma" pitchFamily="34" charset="0"/>
+                <a:ea typeface="Tahoma" pitchFamily="34" charset="0"/>
+                <a:cs typeface="2  Mehr" panose="00000700000000000000" pitchFamily="2" charset="-78"/>
+              </a:rPr>
+              <a:t>در بخش جاوااسکریپت نیز تفاوت‌های میان این دو استاندارد وجود دارد. برای مثال استفاده از </a:t>
+            </a:r>
+            <a:r>
+              <a:rPr lang="en-US" sz="1200" b="1" dirty="0" err="1">
+                <a:solidFill>
+                  <a:schemeClr val="tx1"/>
+                </a:solidFill>
+                <a:latin typeface="Tahoma" pitchFamily="34" charset="0"/>
+                <a:ea typeface="Tahoma" pitchFamily="34" charset="0"/>
+                <a:cs typeface="2  Mehr" panose="00000700000000000000" pitchFamily="2" charset="-78"/>
+              </a:rPr>
+              <a:t>document.write</a:t>
+            </a:r>
+            <a:r>
+              <a:rPr lang="en-US" sz="1200" b="1" dirty="0">
+                <a:solidFill>
+                  <a:schemeClr val="tx1"/>
+                </a:solidFill>
+                <a:latin typeface="Tahoma" pitchFamily="34" charset="0"/>
+                <a:ea typeface="Tahoma" pitchFamily="34" charset="0"/>
+                <a:cs typeface="2  Mehr" panose="00000700000000000000" pitchFamily="2" charset="-78"/>
+              </a:rPr>
+              <a:t> </a:t>
+            </a:r>
+            <a:r>
+              <a:rPr lang="fa-IR" sz="1200" b="1" dirty="0">
+                <a:solidFill>
+                  <a:schemeClr val="tx1"/>
+                </a:solidFill>
+                <a:latin typeface="Tahoma" pitchFamily="34" charset="0"/>
+                <a:ea typeface="Tahoma" pitchFamily="34" charset="0"/>
+                <a:cs typeface="2  Mehr" panose="00000700000000000000" pitchFamily="2" charset="-78"/>
+              </a:rPr>
+              <a:t>در </a:t>
+            </a:r>
+            <a:r>
+              <a:rPr lang="en-US" sz="1200" b="1" dirty="0">
+                <a:solidFill>
+                  <a:schemeClr val="tx1"/>
+                </a:solidFill>
+                <a:latin typeface="Tahoma" pitchFamily="34" charset="0"/>
+                <a:ea typeface="Tahoma" pitchFamily="34" charset="0"/>
+                <a:cs typeface="2  Mehr" panose="00000700000000000000" pitchFamily="2" charset="-78"/>
+              </a:rPr>
+              <a:t>XHTML </a:t>
+            </a:r>
+            <a:r>
+              <a:rPr lang="fa-IR" sz="1200" b="1" dirty="0">
+                <a:solidFill>
+                  <a:schemeClr val="tx1"/>
+                </a:solidFill>
+                <a:latin typeface="Tahoma" pitchFamily="34" charset="0"/>
+                <a:ea typeface="Tahoma" pitchFamily="34" charset="0"/>
+                <a:cs typeface="2  Mehr" panose="00000700000000000000" pitchFamily="2" charset="-78"/>
+              </a:rPr>
+              <a:t>امکان‌پذیر نیست.</a:t>
+            </a:r>
+          </a:p>
+          <a:p>
+            <a:pPr marL="285750" indent="-285750" algn="r" rtl="1">
+              <a:lnSpc>
+                <a:spcPts val="2800"/>
+              </a:lnSpc>
+              <a:buClr>
+                <a:srgbClr val="FF0000"/>
+              </a:buClr>
+              <a:buFont typeface="Wingdings" panose="05000000000000000000" pitchFamily="2" charset="2"/>
+              <a:buChar char="ü"/>
+            </a:pPr>
+            <a:r>
+              <a:rPr lang="fa-IR" sz="1200" b="1" dirty="0">
+                <a:solidFill>
+                  <a:schemeClr val="tx1"/>
+                </a:solidFill>
+                <a:latin typeface="Tahoma" pitchFamily="34" charset="0"/>
+                <a:ea typeface="Tahoma" pitchFamily="34" charset="0"/>
+                <a:cs typeface="2  Mehr" panose="00000700000000000000" pitchFamily="2" charset="-78"/>
+              </a:rPr>
               <a:t>در بخش </a:t>
             </a:r>
             <a:r>
-              <a:rPr lang="en-US" sz="1200" b="1" dirty="0" smtClean="0">
+              <a:rPr lang="en-US" sz="1200" b="1" dirty="0">
                 <a:solidFill>
                   <a:schemeClr val="tx1"/>
                 </a:solidFill>
@@ -5593,7 +6055,7 @@
               <a:t>CSS </a:t>
             </a:r>
             <a:r>
-              <a:rPr lang="fa-IR" sz="1200" b="1" dirty="0" smtClean="0">
+              <a:rPr lang="fa-IR" sz="1200" b="1" dirty="0">
                 <a:solidFill>
                   <a:schemeClr val="tx1"/>
                 </a:solidFill>
@@ -5604,7 +6066,7 @@
               <a:t>نیز محدودیت‌هایی از جمله حساسیت به سطح حروف برای </a:t>
             </a:r>
             <a:r>
-              <a:rPr lang="en-US" sz="1200" b="1" dirty="0" smtClean="0">
+              <a:rPr lang="en-US" sz="1200" b="1" dirty="0">
                 <a:solidFill>
                   <a:schemeClr val="tx1"/>
                 </a:solidFill>
@@ -5615,7 +6077,7 @@
               <a:t>Selector</a:t>
             </a:r>
             <a:r>
-              <a:rPr lang="fa-IR" sz="1200" b="1" dirty="0" smtClean="0">
+              <a:rPr lang="fa-IR" sz="1200" b="1" dirty="0">
                 <a:solidFill>
                   <a:schemeClr val="tx1"/>
                 </a:solidFill>
@@ -5626,7 +6088,7 @@
               <a:t>ها در </a:t>
             </a:r>
             <a:r>
-              <a:rPr lang="en-US" sz="1200" b="1" dirty="0" smtClean="0">
+              <a:rPr lang="en-US" sz="1200" b="1" dirty="0">
                 <a:solidFill>
                   <a:schemeClr val="tx1"/>
                 </a:solidFill>
@@ -5637,7 +6099,7 @@
               <a:t>XHTML </a:t>
             </a:r>
             <a:r>
-              <a:rPr lang="fa-IR" sz="1200" b="1" dirty="0" smtClean="0">
+              <a:rPr lang="fa-IR" sz="1200" b="1" dirty="0">
                 <a:solidFill>
                   <a:schemeClr val="tx1"/>
                 </a:solidFill>
@@ -5646,6 +6108,125 @@
                 <a:cs typeface="2  Mehr" panose="00000700000000000000" pitchFamily="2" charset="-78"/>
               </a:rPr>
               <a:t>وجود دارد که ممکن است سبب دشوار شدن کار برنامه‌نویسان شود.</a:t>
+            </a:r>
+            <a:endParaRPr lang="en-US" sz="1200" b="1" dirty="0">
+              <a:solidFill>
+                <a:schemeClr val="tx1"/>
+              </a:solidFill>
+              <a:latin typeface="Tahoma" pitchFamily="34" charset="0"/>
+              <a:ea typeface="Tahoma" pitchFamily="34" charset="0"/>
+              <a:cs typeface="2  Mehr" panose="00000700000000000000" pitchFamily="2" charset="-78"/>
+            </a:endParaRPr>
+          </a:p>
+          <a:p>
+            <a:pPr marL="285750" indent="-285750" algn="r" rtl="1">
+              <a:lnSpc>
+                <a:spcPts val="2800"/>
+              </a:lnSpc>
+              <a:buClr>
+                <a:srgbClr val="FF0000"/>
+              </a:buClr>
+              <a:buFont typeface="Wingdings" panose="05000000000000000000" pitchFamily="2" charset="2"/>
+              <a:buChar char="ü"/>
+            </a:pPr>
+            <a:r>
+              <a:rPr lang="fa-IR" sz="1200" b="1" dirty="0">
+                <a:solidFill>
+                  <a:schemeClr val="tx1"/>
+                </a:solidFill>
+                <a:latin typeface="Tahoma" pitchFamily="34" charset="0"/>
+                <a:ea typeface="Tahoma" pitchFamily="34" charset="0"/>
+                <a:cs typeface="2  Mehr" panose="00000700000000000000" pitchFamily="2" charset="-78"/>
+              </a:rPr>
+              <a:t>یکی از استانداردهای واسط که پس از </a:t>
+            </a:r>
+            <a:r>
+              <a:rPr lang="en-US" sz="1200" b="1" dirty="0">
+                <a:solidFill>
+                  <a:schemeClr val="tx1"/>
+                </a:solidFill>
+                <a:latin typeface="Tahoma" pitchFamily="34" charset="0"/>
+                <a:ea typeface="Tahoma" pitchFamily="34" charset="0"/>
+                <a:cs typeface="2  Mehr" panose="00000700000000000000" pitchFamily="2" charset="-78"/>
+              </a:rPr>
+              <a:t>HTML4 </a:t>
+            </a:r>
+            <a:r>
+              <a:rPr lang="fa-IR" sz="1200" b="1" dirty="0">
+                <a:solidFill>
+                  <a:schemeClr val="tx1"/>
+                </a:solidFill>
+                <a:latin typeface="Tahoma" pitchFamily="34" charset="0"/>
+                <a:ea typeface="Tahoma" pitchFamily="34" charset="0"/>
+                <a:cs typeface="2  Mehr" panose="00000700000000000000" pitchFamily="2" charset="-78"/>
+              </a:rPr>
+              <a:t>و پیش از ارائه‌ی </a:t>
+            </a:r>
+            <a:r>
+              <a:rPr lang="en-US" sz="1200" b="1" dirty="0">
+                <a:solidFill>
+                  <a:schemeClr val="tx1"/>
+                </a:solidFill>
+                <a:latin typeface="Tahoma" pitchFamily="34" charset="0"/>
+                <a:ea typeface="Tahoma" pitchFamily="34" charset="0"/>
+                <a:cs typeface="2  Mehr" panose="00000700000000000000" pitchFamily="2" charset="-78"/>
+              </a:rPr>
+              <a:t>HTML5 </a:t>
+            </a:r>
+            <a:r>
+              <a:rPr lang="fa-IR" sz="1200" b="1" dirty="0">
+                <a:solidFill>
+                  <a:schemeClr val="tx1"/>
+                </a:solidFill>
+                <a:latin typeface="Tahoma" pitchFamily="34" charset="0"/>
+                <a:ea typeface="Tahoma" pitchFamily="34" charset="0"/>
+                <a:cs typeface="2  Mehr" panose="00000700000000000000" pitchFamily="2" charset="-78"/>
+              </a:rPr>
+              <a:t>تا حدود زیادی متداول گردید، </a:t>
+            </a:r>
+            <a:r>
+              <a:rPr lang="en-US" sz="1200" b="1" dirty="0">
+                <a:solidFill>
+                  <a:schemeClr val="tx1"/>
+                </a:solidFill>
+                <a:latin typeface="Tahoma" pitchFamily="34" charset="0"/>
+                <a:ea typeface="Tahoma" pitchFamily="34" charset="0"/>
+                <a:cs typeface="2  Mehr" panose="00000700000000000000" pitchFamily="2" charset="-78"/>
+              </a:rPr>
+              <a:t>XHTML </a:t>
+            </a:r>
+            <a:r>
+              <a:rPr lang="fa-IR" sz="1200" b="1" dirty="0">
+                <a:solidFill>
+                  <a:schemeClr val="tx1"/>
+                </a:solidFill>
+                <a:latin typeface="Tahoma" pitchFamily="34" charset="0"/>
+                <a:ea typeface="Tahoma" pitchFamily="34" charset="0"/>
+                <a:cs typeface="2  Mehr" panose="00000700000000000000" pitchFamily="2" charset="-78"/>
+              </a:rPr>
+              <a:t>یا </a:t>
+            </a:r>
+            <a:r>
+              <a:rPr lang="en-US" sz="1200" b="1" dirty="0">
+                <a:solidFill>
+                  <a:schemeClr val="tx1"/>
+                </a:solidFill>
+                <a:latin typeface="Tahoma" pitchFamily="34" charset="0"/>
+                <a:ea typeface="Tahoma" pitchFamily="34" charset="0"/>
+                <a:cs typeface="2  Mehr" panose="00000700000000000000" pitchFamily="2" charset="-78"/>
+              </a:rPr>
+              <a:t>Extensible Hypertext Markup Language </a:t>
+            </a:r>
+            <a:r>
+              <a:rPr lang="fa-IR" sz="1200" b="1" dirty="0">
+                <a:solidFill>
+                  <a:schemeClr val="tx1"/>
+                </a:solidFill>
+                <a:latin typeface="Tahoma" pitchFamily="34" charset="0"/>
+                <a:ea typeface="Tahoma" pitchFamily="34" charset="0"/>
+                <a:cs typeface="2  Mehr" panose="00000700000000000000" pitchFamily="2" charset="-78"/>
+              </a:rPr>
+              <a:t>است.</a:t>
             </a:r>
           </a:p>
           <a:p>
@@ -6238,37 +6819,6 @@
           <a:p>
             <a:pPr marL="285750" indent="-285750" algn="r" rtl="1">
               <a:lnSpc>
-                <a:spcPct val="150000"/>
-              </a:lnSpc>
-              <a:buClr>
-                <a:srgbClr val="FF0000"/>
-              </a:buClr>
-              <a:buFont typeface="Wingdings" panose="05000000000000000000" pitchFamily="2" charset="2"/>
-              <a:buChar char="ü"/>
-            </a:pPr>
-            <a:r>
-              <a:rPr lang="fa-IR" sz="1600" dirty="0" smtClean="0">
-                <a:solidFill>
-                  <a:schemeClr val="tx1"/>
-                </a:solidFill>
-                <a:latin typeface="Tahoma" pitchFamily="34" charset="0"/>
-                <a:ea typeface="Tahoma" pitchFamily="34" charset="0"/>
-                <a:cs typeface="2  Mehr" panose="00000700000000000000" pitchFamily="2" charset="-78"/>
-              </a:rPr>
-              <a:t>کاندیدای بالقوه‎ای برای برنامه‌های کاربردی تلفن همراه کراس پلت فرم محسوب می‌شود.</a:t>
-            </a:r>
-            <a:endParaRPr lang="en-US" sz="1600" dirty="0" smtClean="0">
-              <a:solidFill>
-                <a:schemeClr val="tx1"/>
-              </a:solidFill>
-              <a:latin typeface="Tahoma" pitchFamily="34" charset="0"/>
-              <a:ea typeface="Tahoma" pitchFamily="34" charset="0"/>
-              <a:cs typeface="2  Mehr" panose="00000700000000000000" pitchFamily="2" charset="-78"/>
-            </a:endParaRPr>
-          </a:p>
-          <a:p>
-            <a:pPr marL="285750" indent="-285750" algn="r" rtl="1">
-              <a:lnSpc>
                 <a:spcPts val="2800"/>
               </a:lnSpc>
               <a:buClr>
@@ -6286,18 +6836,7 @@
                 <a:ea typeface="Tahoma" pitchFamily="34" charset="0"/>
                 <a:cs typeface="2  Mehr" panose="00000700000000000000" pitchFamily="2" charset="-78"/>
               </a:rPr>
-              <a:t>قابلیت پشتیبانی از دستگاه‌های تلفن همراه</a:t>
-            </a:r>
-            <a:r>
-              <a:rPr lang="en-US" sz="1600" b="1" dirty="0" smtClean="0">
-                <a:solidFill>
-                  <a:schemeClr val="tx1"/>
-                </a:solidFill>
-                <a:latin typeface="Tahoma" pitchFamily="34" charset="0"/>
-                <a:ea typeface="Tahoma" pitchFamily="34" charset="0"/>
-                <a:cs typeface="2  Mehr" panose="00000700000000000000" pitchFamily="2" charset="-78"/>
-              </a:rPr>
-              <a:t> </a:t>
+              <a:t>با </a:t>
             </a:r>
             <a:r>
               <a:rPr lang="fa-IR" sz="1600" b="1" dirty="0" smtClean="0">
@@ -6308,52 +6847,7 @@
                 <a:ea typeface="Tahoma" pitchFamily="34" charset="0"/>
                 <a:cs typeface="2  Mehr" panose="00000700000000000000" pitchFamily="2" charset="-78"/>
               </a:rPr>
-              <a:t>و</a:t>
-            </a:r>
-            <a:r>
-              <a:rPr lang="en-US" sz="1600" b="1" dirty="0" smtClean="0">
-                <a:solidFill>
-                  <a:schemeClr val="tx1"/>
-                </a:solidFill>
-                <a:latin typeface="Tahoma" pitchFamily="34" charset="0"/>
-                <a:ea typeface="Tahoma" pitchFamily="34" charset="0"/>
-                <a:cs typeface="2  Mehr" panose="00000700000000000000" pitchFamily="2" charset="-78"/>
-              </a:rPr>
-              <a:t> </a:t>
-            </a:r>
-            <a:r>
-              <a:rPr lang="fa-IR" sz="1600" b="1" dirty="0" smtClean="0">
-                <a:solidFill>
-                  <a:schemeClr val="tx1"/>
-                </a:solidFill>
-                <a:latin typeface="Tahoma" pitchFamily="34" charset="0"/>
-                <a:ea typeface="Tahoma" pitchFamily="34" charset="0"/>
-                <a:cs typeface="2  Mehr" panose="00000700000000000000" pitchFamily="2" charset="-78"/>
-              </a:rPr>
-              <a:t>گوشی‌های هوشمند و تبلت‌ها را دارد.</a:t>
-            </a:r>
-          </a:p>
-          <a:p>
-            <a:pPr marL="285750" indent="-285750" algn="r" rtl="1">
-              <a:lnSpc>
-                <a:spcPts val="2800"/>
-              </a:lnSpc>
-              <a:buClr>
-                <a:srgbClr val="FF0000"/>
-              </a:buClr>
-              <a:buFont typeface="Wingdings" panose="05000000000000000000" pitchFamily="2" charset="2"/>
-              <a:buChar char="ü"/>
-            </a:pPr>
-            <a:r>
-              <a:rPr lang="fa-IR" sz="1600" b="1" dirty="0" smtClean="0">
-                <a:solidFill>
-                  <a:schemeClr val="tx1"/>
-                </a:solidFill>
-                <a:latin typeface="Tahoma" pitchFamily="34" charset="0"/>
-                <a:ea typeface="Tahoma" pitchFamily="34" charset="0"/>
-                <a:cs typeface="2  Mehr" panose="00000700000000000000" pitchFamily="2" charset="-78"/>
-              </a:rPr>
-              <a:t>با اضافه کردن شرایط جدید برای فرم‌ها، امکان شناسایی و اعتبارسنجی فرم را به صورت لوکال و سمت کلاینت فراهم‌ می‌کند.</a:t>
+              <a:t>اضافه کردن شرایط جدید برای فرم‌ها، امکان شناسایی و اعتبارسنجی فرم را به صورت لوکال و سمت کلاینت فراهم‌ می‌کند.</a:t>
             </a:r>
             <a:endParaRPr lang="en-US" sz="1600" b="1" dirty="0" smtClean="0">
               <a:solidFill>
@@ -6638,18 +7132,7 @@
                 <a:ea typeface="Tahoma" pitchFamily="34" charset="0"/>
                 <a:cs typeface="2  Mehr" panose="00000700000000000000" pitchFamily="2" charset="-78"/>
               </a:rPr>
-              <a:t>ساختار کد نویسی و طراحی صفحات وب در </a:t>
-            </a:r>
-            <a:r>
-              <a:rPr lang="en-US" sz="1600" b="1" dirty="0" smtClean="0">
-                <a:solidFill>
-                  <a:schemeClr val="tx1"/>
-                </a:solidFill>
-                <a:latin typeface="Tahoma" pitchFamily="34" charset="0"/>
-                <a:ea typeface="Tahoma" pitchFamily="34" charset="0"/>
-                <a:cs typeface="2  Mehr" panose="00000700000000000000" pitchFamily="2" charset="-78"/>
-              </a:rPr>
-              <a:t>Html5 </a:t>
+              <a:t>موجب </a:t>
             </a:r>
             <a:r>
               <a:rPr lang="fa-IR" sz="1600" b="1" dirty="0" smtClean="0">
@@ -6660,30 +7143,7 @@
                 <a:ea typeface="Tahoma" pitchFamily="34" charset="0"/>
                 <a:cs typeface="2  Mehr" panose="00000700000000000000" pitchFamily="2" charset="-78"/>
               </a:rPr>
-              <a:t>تمایل به مفهومی شدن دارد بطوری که استفاده از این تگ‌ها برای شناسایی بخش‌های مقاله ای در وب سایت مناسب است و موتورهای جستجو می‌توانند وب سایت‌هایی که با این کد طراحی‌ می‌شوند را بهتر شناسایی کنند که در مجموع به بالا رفتن رتبه وب سایت منتهی شود.</a:t>
-            </a:r>
-          </a:p>
-          <a:p>
-            <a:pPr marL="285750" indent="-285750" algn="r" rtl="1">
-              <a:lnSpc>
-                <a:spcPct val="150000"/>
-              </a:lnSpc>
-              <a:buClr>
-                <a:srgbClr val="FF0000"/>
-              </a:buClr>
-              <a:buFont typeface="Wingdings" panose="05000000000000000000" pitchFamily="2" charset="2"/>
-              <a:buChar char="ü"/>
-            </a:pPr>
-            <a:r>
-              <a:rPr lang="fa-IR" sz="1600" b="1" dirty="0" smtClean="0">
-                <a:solidFill>
-                  <a:schemeClr val="tx1"/>
-                </a:solidFill>
-                <a:latin typeface="Tahoma" pitchFamily="34" charset="0"/>
-                <a:ea typeface="Tahoma" pitchFamily="34" charset="0"/>
-                <a:cs typeface="2  Mehr" panose="00000700000000000000" pitchFamily="2" charset="-78"/>
-              </a:rPr>
-              <a:t>موجب از بین بردن مشکلات ناشی از پخش کننده یا پلیر صوت و تصویر‌ می‌شود زیرا دو تگ جدید در ساختار خود ایجاد کرده که به مرورگر اعلام می‌کند که فایل‌های صوتی یا تصویری در وب سایت وجود دارد و مرورگر یک پلیر یا پخش کننده ساده اما کاربردی را در کنار فایل‌های صوتی و تصویری نمایش می‌دهد. به عبارت دیگر وجود 5</a:t>
+              <a:t>از بین بردن مشکلات ناشی از پخش کننده یا پلیر صوت و تصویر‌ می‌شود زیرا دو تگ جدید در ساختار خود ایجاد کرده که به مرورگر اعلام می‌کند که فایل‌های صوتی یا تصویری در وب سایت وجود دارد و مرورگر یک پلیر یا پخش کننده ساده اما کاربردی را در کنار فایل‌های صوتی و تصویری نمایش می‌دهد. به عبارت دیگر وجود 5</a:t>
             </a:r>
             <a:r>
               <a:rPr lang="en-US" sz="1600" b="1" dirty="0" smtClean="0">
@@ -8032,216 +8492,7 @@
               <a:buFont typeface="Wingdings" panose="05000000000000000000" pitchFamily="2" charset="2"/>
               <a:buChar char="ü"/>
             </a:pPr>
-            <a:r>
-              <a:rPr lang="fa-IR" sz="900" b="1" dirty="0" smtClean="0">
-                <a:solidFill>
-                  <a:schemeClr val="tx1"/>
-                </a:solidFill>
-                <a:latin typeface="Tahoma" pitchFamily="34" charset="0"/>
-                <a:ea typeface="Tahoma" pitchFamily="34" charset="0"/>
-                <a:cs typeface="2  Mehr" panose="00000700000000000000" pitchFamily="2" charset="-78"/>
-              </a:rPr>
-              <a:t>تفاوت </a:t>
-            </a:r>
-            <a:r>
-              <a:rPr lang="en-US" sz="900" b="1" dirty="0" smtClean="0">
-                <a:solidFill>
-                  <a:schemeClr val="tx1"/>
-                </a:solidFill>
-                <a:latin typeface="Tahoma" pitchFamily="34" charset="0"/>
-                <a:ea typeface="Tahoma" pitchFamily="34" charset="0"/>
-                <a:cs typeface="2  Mehr" panose="00000700000000000000" pitchFamily="2" charset="-78"/>
-              </a:rPr>
-              <a:t>HTML </a:t>
-            </a:r>
-            <a:r>
-              <a:rPr lang="fa-IR" sz="900" b="1" dirty="0" smtClean="0">
-                <a:solidFill>
-                  <a:schemeClr val="tx1"/>
-                </a:solidFill>
-                <a:latin typeface="Tahoma" pitchFamily="34" charset="0"/>
-                <a:ea typeface="Tahoma" pitchFamily="34" charset="0"/>
-                <a:cs typeface="2  Mehr" panose="00000700000000000000" pitchFamily="2" charset="-78"/>
-              </a:rPr>
-              <a:t>و </a:t>
-            </a:r>
-            <a:r>
-              <a:rPr lang="en-US" sz="900" b="1" dirty="0" smtClean="0">
-                <a:solidFill>
-                  <a:schemeClr val="tx1"/>
-                </a:solidFill>
-                <a:latin typeface="Tahoma" pitchFamily="34" charset="0"/>
-                <a:ea typeface="Tahoma" pitchFamily="34" charset="0"/>
-                <a:cs typeface="2  Mehr" panose="00000700000000000000" pitchFamily="2" charset="-78"/>
-              </a:rPr>
-              <a:t>XHTML </a:t>
-            </a:r>
-            <a:r>
-              <a:rPr lang="fa-IR" sz="900" b="1" dirty="0" smtClean="0">
-                <a:solidFill>
-                  <a:schemeClr val="tx1"/>
-                </a:solidFill>
-                <a:latin typeface="Tahoma" pitchFamily="34" charset="0"/>
-                <a:ea typeface="Tahoma" pitchFamily="34" charset="0"/>
-                <a:cs typeface="2  Mehr" panose="00000700000000000000" pitchFamily="2" charset="-78"/>
-              </a:rPr>
-              <a:t>در چیست؟ اگر بخواهیم در یک جمله به این سوال پاسخ دهیم، می توان گفت </a:t>
-            </a:r>
-            <a:r>
-              <a:rPr lang="en-US" sz="900" b="1" dirty="0" smtClean="0">
-                <a:solidFill>
-                  <a:schemeClr val="tx1"/>
-                </a:solidFill>
-                <a:latin typeface="Tahoma" pitchFamily="34" charset="0"/>
-                <a:ea typeface="Tahoma" pitchFamily="34" charset="0"/>
-                <a:cs typeface="2  Mehr" panose="00000700000000000000" pitchFamily="2" charset="-78"/>
-              </a:rPr>
-              <a:t>XHTML </a:t>
-            </a:r>
-            <a:r>
-              <a:rPr lang="fa-IR" sz="900" b="1" dirty="0" smtClean="0">
-                <a:solidFill>
-                  <a:schemeClr val="tx1"/>
-                </a:solidFill>
-                <a:latin typeface="Tahoma" pitchFamily="34" charset="0"/>
-                <a:ea typeface="Tahoma" pitchFamily="34" charset="0"/>
-                <a:cs typeface="2  Mehr" panose="00000700000000000000" pitchFamily="2" charset="-78"/>
-              </a:rPr>
-              <a:t>نسخه بهبود یافته </a:t>
-            </a:r>
-            <a:r>
-              <a:rPr lang="en-US" sz="900" b="1" dirty="0" smtClean="0">
-                <a:solidFill>
-                  <a:schemeClr val="tx1"/>
-                </a:solidFill>
-                <a:latin typeface="Tahoma" pitchFamily="34" charset="0"/>
-                <a:ea typeface="Tahoma" pitchFamily="34" charset="0"/>
-                <a:cs typeface="2  Mehr" panose="00000700000000000000" pitchFamily="2" charset="-78"/>
-              </a:rPr>
-              <a:t>HTML </a:t>
-            </a:r>
-            <a:r>
-              <a:rPr lang="fa-IR" sz="900" b="1" dirty="0" smtClean="0">
-                <a:solidFill>
-                  <a:schemeClr val="tx1"/>
-                </a:solidFill>
-                <a:latin typeface="Tahoma" pitchFamily="34" charset="0"/>
-                <a:ea typeface="Tahoma" pitchFamily="34" charset="0"/>
-                <a:cs typeface="2  Mehr" panose="00000700000000000000" pitchFamily="2" charset="-78"/>
-              </a:rPr>
-              <a:t>است. ابتدا </a:t>
-            </a:r>
-            <a:r>
-              <a:rPr lang="en-US" sz="900" b="1" dirty="0" smtClean="0">
-                <a:solidFill>
-                  <a:schemeClr val="tx1"/>
-                </a:solidFill>
-                <a:latin typeface="Tahoma" pitchFamily="34" charset="0"/>
-                <a:ea typeface="Tahoma" pitchFamily="34" charset="0"/>
-                <a:cs typeface="2  Mehr" panose="00000700000000000000" pitchFamily="2" charset="-78"/>
-              </a:rPr>
-              <a:t>HTML </a:t>
-            </a:r>
-            <a:r>
-              <a:rPr lang="fa-IR" sz="900" b="1" dirty="0" smtClean="0">
-                <a:solidFill>
-                  <a:schemeClr val="tx1"/>
-                </a:solidFill>
-                <a:latin typeface="Tahoma" pitchFamily="34" charset="0"/>
-                <a:ea typeface="Tahoma" pitchFamily="34" charset="0"/>
-                <a:cs typeface="2  Mehr" panose="00000700000000000000" pitchFamily="2" charset="-78"/>
-              </a:rPr>
-              <a:t>برای ساخت صفحات وب عرضه شد و همزمان با پیشرفت های وب این زبان نیز تا نسخه </a:t>
-            </a:r>
-            <a:r>
-              <a:rPr lang="en-US" sz="900" b="1" dirty="0" smtClean="0">
-                <a:solidFill>
-                  <a:schemeClr val="tx1"/>
-                </a:solidFill>
-                <a:latin typeface="Tahoma" pitchFamily="34" charset="0"/>
-                <a:ea typeface="Tahoma" pitchFamily="34" charset="0"/>
-                <a:cs typeface="2  Mehr" panose="00000700000000000000" pitchFamily="2" charset="-78"/>
-              </a:rPr>
-              <a:t>HTML 4.0 </a:t>
-            </a:r>
-            <a:r>
-              <a:rPr lang="fa-IR" sz="900" b="1" dirty="0" smtClean="0">
-                <a:solidFill>
-                  <a:schemeClr val="tx1"/>
-                </a:solidFill>
-                <a:latin typeface="Tahoma" pitchFamily="34" charset="0"/>
-                <a:ea typeface="Tahoma" pitchFamily="34" charset="0"/>
-                <a:cs typeface="2  Mehr" panose="00000700000000000000" pitchFamily="2" charset="-78"/>
-              </a:rPr>
-              <a:t>ارتقا داده شد. با عرضه نسخه </a:t>
-            </a:r>
-            <a:r>
-              <a:rPr lang="en-US" sz="900" b="1" dirty="0" smtClean="0">
-                <a:solidFill>
-                  <a:schemeClr val="tx1"/>
-                </a:solidFill>
-                <a:latin typeface="Tahoma" pitchFamily="34" charset="0"/>
-                <a:ea typeface="Tahoma" pitchFamily="34" charset="0"/>
-                <a:cs typeface="2  Mehr" panose="00000700000000000000" pitchFamily="2" charset="-78"/>
-              </a:rPr>
-              <a:t>HTML 4.01 </a:t>
-            </a:r>
-            <a:r>
-              <a:rPr lang="fa-IR" sz="900" b="1" dirty="0" smtClean="0">
-                <a:solidFill>
-                  <a:schemeClr val="tx1"/>
-                </a:solidFill>
-                <a:latin typeface="Tahoma" pitchFamily="34" charset="0"/>
-                <a:ea typeface="Tahoma" pitchFamily="34" charset="0"/>
-                <a:cs typeface="2  Mehr" panose="00000700000000000000" pitchFamily="2" charset="-78"/>
-              </a:rPr>
-              <a:t>این زبان با قواعد </a:t>
-            </a:r>
-            <a:r>
-              <a:rPr lang="en-US" sz="900" b="1" dirty="0" smtClean="0">
-                <a:solidFill>
-                  <a:schemeClr val="tx1"/>
-                </a:solidFill>
-                <a:latin typeface="Tahoma" pitchFamily="34" charset="0"/>
-                <a:ea typeface="Tahoma" pitchFamily="34" charset="0"/>
-                <a:cs typeface="2  Mehr" panose="00000700000000000000" pitchFamily="2" charset="-78"/>
-              </a:rPr>
-              <a:t>XML </a:t>
-            </a:r>
-            <a:r>
-              <a:rPr lang="fa-IR" sz="900" b="1" dirty="0" smtClean="0">
-                <a:solidFill>
-                  <a:schemeClr val="tx1"/>
-                </a:solidFill>
-                <a:latin typeface="Tahoma" pitchFamily="34" charset="0"/>
-                <a:ea typeface="Tahoma" pitchFamily="34" charset="0"/>
-                <a:cs typeface="2  Mehr" panose="00000700000000000000" pitchFamily="2" charset="-78"/>
-              </a:rPr>
-              <a:t>ترکیب و در نهایت </a:t>
-            </a:r>
-            <a:r>
-              <a:rPr lang="en-US" sz="900" b="1" dirty="0" smtClean="0">
-                <a:solidFill>
-                  <a:schemeClr val="tx1"/>
-                </a:solidFill>
-                <a:latin typeface="Tahoma" pitchFamily="34" charset="0"/>
-                <a:ea typeface="Tahoma" pitchFamily="34" charset="0"/>
-                <a:cs typeface="2  Mehr" panose="00000700000000000000" pitchFamily="2" charset="-78"/>
-              </a:rPr>
-              <a:t>XHTML </a:t>
-            </a:r>
-            <a:r>
-              <a:rPr lang="fa-IR" sz="900" b="1" dirty="0" smtClean="0">
-                <a:solidFill>
-                  <a:schemeClr val="tx1"/>
-                </a:solidFill>
-                <a:latin typeface="Tahoma" pitchFamily="34" charset="0"/>
-                <a:ea typeface="Tahoma" pitchFamily="34" charset="0"/>
-                <a:cs typeface="2  Mehr" panose="00000700000000000000" pitchFamily="2" charset="-78"/>
-              </a:rPr>
-              <a:t>عرضه شد</a:t>
-            </a:r>
-            <a:endParaRPr lang="en-US" sz="900" b="1" dirty="0" smtClean="0">
+            <a:endParaRPr lang="fa-IR" sz="1600" b="1" dirty="0" smtClean="0">
               <a:solidFill>
                 <a:schemeClr val="tx1"/>
               </a:solidFill>
@@ -8261,172 +8512,7 @@
               <a:buFont typeface="Wingdings" panose="05000000000000000000" pitchFamily="2" charset="2"/>
               <a:buChar char="ü"/>
             </a:pPr>
-            <a:r>
-              <a:rPr lang="fa-IR" sz="900" b="1" dirty="0" smtClean="0">
-                <a:solidFill>
-                  <a:schemeClr val="tx1"/>
-                </a:solidFill>
-                <a:latin typeface="Tahoma" pitchFamily="34" charset="0"/>
-                <a:ea typeface="Tahoma" pitchFamily="34" charset="0"/>
-                <a:cs typeface="2  Mehr" panose="00000700000000000000" pitchFamily="2" charset="-78"/>
-              </a:rPr>
-              <a:t>بنابراین تفاوت میان </a:t>
-            </a:r>
-            <a:r>
-              <a:rPr lang="en-US" sz="900" b="1" dirty="0" smtClean="0">
-                <a:solidFill>
-                  <a:schemeClr val="tx1"/>
-                </a:solidFill>
-                <a:latin typeface="Tahoma" pitchFamily="34" charset="0"/>
-                <a:ea typeface="Tahoma" pitchFamily="34" charset="0"/>
-                <a:cs typeface="2  Mehr" panose="00000700000000000000" pitchFamily="2" charset="-78"/>
-              </a:rPr>
-              <a:t>HTML 4.01 </a:t>
-            </a:r>
-            <a:r>
-              <a:rPr lang="fa-IR" sz="900" b="1" dirty="0" smtClean="0">
-                <a:solidFill>
-                  <a:schemeClr val="tx1"/>
-                </a:solidFill>
-                <a:latin typeface="Tahoma" pitchFamily="34" charset="0"/>
-                <a:ea typeface="Tahoma" pitchFamily="34" charset="0"/>
-                <a:cs typeface="2  Mehr" panose="00000700000000000000" pitchFamily="2" charset="-78"/>
-              </a:rPr>
-              <a:t>و </a:t>
-            </a:r>
-            <a:r>
-              <a:rPr lang="en-US" sz="900" b="1" dirty="0" smtClean="0">
-                <a:solidFill>
-                  <a:schemeClr val="tx1"/>
-                </a:solidFill>
-                <a:latin typeface="Tahoma" pitchFamily="34" charset="0"/>
-                <a:ea typeface="Tahoma" pitchFamily="34" charset="0"/>
-                <a:cs typeface="2  Mehr" panose="00000700000000000000" pitchFamily="2" charset="-78"/>
-              </a:rPr>
-              <a:t>XHTML </a:t>
-            </a:r>
-            <a:r>
-              <a:rPr lang="fa-IR" sz="900" b="1" dirty="0" smtClean="0">
-                <a:solidFill>
-                  <a:schemeClr val="tx1"/>
-                </a:solidFill>
-                <a:latin typeface="Tahoma" pitchFamily="34" charset="0"/>
-                <a:ea typeface="Tahoma" pitchFamily="34" charset="0"/>
-                <a:cs typeface="2  Mehr" panose="00000700000000000000" pitchFamily="2" charset="-78"/>
-              </a:rPr>
-              <a:t>بسیار ناچیز است و خوب است بدانید عمده تفاوت بین </a:t>
-            </a:r>
-            <a:r>
-              <a:rPr lang="en-US" sz="900" b="1" dirty="0" smtClean="0">
-                <a:solidFill>
-                  <a:schemeClr val="tx1"/>
-                </a:solidFill>
-                <a:latin typeface="Tahoma" pitchFamily="34" charset="0"/>
-                <a:ea typeface="Tahoma" pitchFamily="34" charset="0"/>
-                <a:cs typeface="2  Mehr" panose="00000700000000000000" pitchFamily="2" charset="-78"/>
-              </a:rPr>
-              <a:t>HTML </a:t>
-            </a:r>
-            <a:r>
-              <a:rPr lang="fa-IR" sz="900" b="1" dirty="0" smtClean="0">
-                <a:solidFill>
-                  <a:schemeClr val="tx1"/>
-                </a:solidFill>
-                <a:latin typeface="Tahoma" pitchFamily="34" charset="0"/>
-                <a:ea typeface="Tahoma" pitchFamily="34" charset="0"/>
-                <a:cs typeface="2  Mehr" panose="00000700000000000000" pitchFamily="2" charset="-78"/>
-              </a:rPr>
-              <a:t>و </a:t>
-            </a:r>
-            <a:r>
-              <a:rPr lang="en-US" sz="900" b="1" dirty="0" smtClean="0">
-                <a:solidFill>
-                  <a:schemeClr val="tx1"/>
-                </a:solidFill>
-                <a:latin typeface="Tahoma" pitchFamily="34" charset="0"/>
-                <a:ea typeface="Tahoma" pitchFamily="34" charset="0"/>
-                <a:cs typeface="2  Mehr" panose="00000700000000000000" pitchFamily="2" charset="-78"/>
-              </a:rPr>
-              <a:t>XHTML </a:t>
-            </a:r>
-            <a:r>
-              <a:rPr lang="fa-IR" sz="900" b="1" dirty="0" smtClean="0">
-                <a:solidFill>
-                  <a:schemeClr val="tx1"/>
-                </a:solidFill>
-                <a:latin typeface="Tahoma" pitchFamily="34" charset="0"/>
-                <a:ea typeface="Tahoma" pitchFamily="34" charset="0"/>
-                <a:cs typeface="2  Mehr" panose="00000700000000000000" pitchFamily="2" charset="-78"/>
-              </a:rPr>
-              <a:t>قوانینی است که در نوشتن کدها باید مورد توجه قرار دهید تا صفحه وب شما بر پایه </a:t>
-            </a:r>
-            <a:r>
-              <a:rPr lang="en-US" sz="900" b="1" dirty="0" smtClean="0">
-                <a:solidFill>
-                  <a:schemeClr val="tx1"/>
-                </a:solidFill>
-                <a:latin typeface="Tahoma" pitchFamily="34" charset="0"/>
-                <a:ea typeface="Tahoma" pitchFamily="34" charset="0"/>
-                <a:cs typeface="2  Mehr" panose="00000700000000000000" pitchFamily="2" charset="-78"/>
-              </a:rPr>
-              <a:t>XHTML </a:t>
-            </a:r>
-            <a:r>
-              <a:rPr lang="fa-IR" sz="900" b="1" dirty="0" smtClean="0">
-                <a:solidFill>
-                  <a:schemeClr val="tx1"/>
-                </a:solidFill>
-                <a:latin typeface="Tahoma" pitchFamily="34" charset="0"/>
-                <a:ea typeface="Tahoma" pitchFamily="34" charset="0"/>
-                <a:cs typeface="2  Mehr" panose="00000700000000000000" pitchFamily="2" charset="-78"/>
-              </a:rPr>
-              <a:t>پیاده سازی شده باشد. در این ارسال تفاوت های اندک و ساده بین کدهای </a:t>
-            </a:r>
-            <a:r>
-              <a:rPr lang="en-US" sz="900" b="1" dirty="0" smtClean="0">
-                <a:solidFill>
-                  <a:schemeClr val="tx1"/>
-                </a:solidFill>
-                <a:latin typeface="Tahoma" pitchFamily="34" charset="0"/>
-                <a:ea typeface="Tahoma" pitchFamily="34" charset="0"/>
-                <a:cs typeface="2  Mehr" panose="00000700000000000000" pitchFamily="2" charset="-78"/>
-              </a:rPr>
-              <a:t>HTML </a:t>
-            </a:r>
-            <a:r>
-              <a:rPr lang="fa-IR" sz="900" b="1" dirty="0" smtClean="0">
-                <a:solidFill>
-                  <a:schemeClr val="tx1"/>
-                </a:solidFill>
-                <a:latin typeface="Tahoma" pitchFamily="34" charset="0"/>
-                <a:ea typeface="Tahoma" pitchFamily="34" charset="0"/>
-                <a:cs typeface="2  Mehr" panose="00000700000000000000" pitchFamily="2" charset="-78"/>
-              </a:rPr>
-              <a:t>و </a:t>
-            </a:r>
-            <a:r>
-              <a:rPr lang="en-US" sz="900" b="1" dirty="0" smtClean="0">
-                <a:solidFill>
-                  <a:schemeClr val="tx1"/>
-                </a:solidFill>
-                <a:latin typeface="Tahoma" pitchFamily="34" charset="0"/>
-                <a:ea typeface="Tahoma" pitchFamily="34" charset="0"/>
-                <a:cs typeface="2  Mehr" panose="00000700000000000000" pitchFamily="2" charset="-78"/>
-              </a:rPr>
-              <a:t>XHTML </a:t>
-            </a:r>
-            <a:r>
-              <a:rPr lang="fa-IR" sz="900" b="1" dirty="0" smtClean="0">
-                <a:solidFill>
-                  <a:schemeClr val="tx1"/>
-                </a:solidFill>
-                <a:latin typeface="Tahoma" pitchFamily="34" charset="0"/>
-                <a:ea typeface="Tahoma" pitchFamily="34" charset="0"/>
-                <a:cs typeface="2  Mehr" panose="00000700000000000000" pitchFamily="2" charset="-78"/>
-              </a:rPr>
-              <a:t>را شرح خواهم داد. </a:t>
-            </a:r>
-            <a:endParaRPr lang="en-US" sz="900" b="1" dirty="0" smtClean="0">
+            <a:endParaRPr lang="fa-IR" sz="1600" b="1" dirty="0" smtClean="0">
               <a:solidFill>
                 <a:schemeClr val="tx1"/>
               </a:solidFill>
@@ -8446,1012 +8532,7 @@
               <a:buFont typeface="Wingdings" panose="05000000000000000000" pitchFamily="2" charset="2"/>
               <a:buChar char="ü"/>
             </a:pPr>
-            <a:r>
-              <a:rPr lang="fa-IR" sz="900" b="1" dirty="0" smtClean="0">
-                <a:solidFill>
-                  <a:schemeClr val="tx1"/>
-                </a:solidFill>
-                <a:latin typeface="Tahoma" pitchFamily="34" charset="0"/>
-                <a:ea typeface="Tahoma" pitchFamily="34" charset="0"/>
-                <a:cs typeface="2  Mehr" panose="00000700000000000000" pitchFamily="2" charset="-78"/>
-              </a:rPr>
-              <a:t>مهمترین تفاوت های </a:t>
-            </a:r>
-            <a:r>
-              <a:rPr lang="en-US" sz="900" b="1" dirty="0" smtClean="0">
-                <a:solidFill>
-                  <a:schemeClr val="tx1"/>
-                </a:solidFill>
-                <a:latin typeface="Tahoma" pitchFamily="34" charset="0"/>
-                <a:ea typeface="Tahoma" pitchFamily="34" charset="0"/>
-                <a:cs typeface="2  Mehr" panose="00000700000000000000" pitchFamily="2" charset="-78"/>
-              </a:rPr>
-              <a:t>XHTML </a:t>
-            </a:r>
-            <a:r>
-              <a:rPr lang="fa-IR" sz="900" b="1" dirty="0" smtClean="0">
-                <a:solidFill>
-                  <a:schemeClr val="tx1"/>
-                </a:solidFill>
-                <a:latin typeface="Tahoma" pitchFamily="34" charset="0"/>
-                <a:ea typeface="Tahoma" pitchFamily="34" charset="0"/>
-                <a:cs typeface="2  Mehr" panose="00000700000000000000" pitchFamily="2" charset="-78"/>
-              </a:rPr>
-              <a:t>و </a:t>
-            </a:r>
-            <a:r>
-              <a:rPr lang="en-US" sz="900" b="1" dirty="0" smtClean="0">
-                <a:solidFill>
-                  <a:schemeClr val="tx1"/>
-                </a:solidFill>
-                <a:latin typeface="Tahoma" pitchFamily="34" charset="0"/>
-                <a:ea typeface="Tahoma" pitchFamily="34" charset="0"/>
-                <a:cs typeface="2  Mehr" panose="00000700000000000000" pitchFamily="2" charset="-78"/>
-              </a:rPr>
-              <a:t>HTML</a:t>
-            </a:r>
-          </a:p>
-          <a:p>
-            <a:pPr marL="285750" indent="-285750" algn="r" rtl="1">
-              <a:lnSpc>
-                <a:spcPts val="2800"/>
-              </a:lnSpc>
-              <a:buClr>
-                <a:srgbClr val="FF0000"/>
-              </a:buClr>
-              <a:buFont typeface="Wingdings" panose="05000000000000000000" pitchFamily="2" charset="2"/>
-              <a:buChar char="ü"/>
-            </a:pPr>
-            <a:r>
-              <a:rPr lang="fa-IR" sz="900" b="1" dirty="0" smtClean="0">
-                <a:solidFill>
-                  <a:schemeClr val="tx1"/>
-                </a:solidFill>
-                <a:latin typeface="Tahoma" pitchFamily="34" charset="0"/>
-                <a:ea typeface="Tahoma" pitchFamily="34" charset="0"/>
-                <a:cs typeface="2  Mehr" panose="00000700000000000000" pitchFamily="2" charset="-78"/>
-              </a:rPr>
-              <a:t>در </a:t>
-            </a:r>
-            <a:r>
-              <a:rPr lang="en-US" sz="900" b="1" dirty="0" smtClean="0">
-                <a:solidFill>
-                  <a:schemeClr val="tx1"/>
-                </a:solidFill>
-                <a:latin typeface="Tahoma" pitchFamily="34" charset="0"/>
-                <a:ea typeface="Tahoma" pitchFamily="34" charset="0"/>
-                <a:cs typeface="2  Mehr" panose="00000700000000000000" pitchFamily="2" charset="-78"/>
-              </a:rPr>
-              <a:t>XHTML </a:t>
-            </a:r>
-            <a:r>
-              <a:rPr lang="fa-IR" sz="900" b="1" dirty="0" smtClean="0">
-                <a:solidFill>
-                  <a:schemeClr val="tx1"/>
-                </a:solidFill>
-                <a:latin typeface="Tahoma" pitchFamily="34" charset="0"/>
-                <a:ea typeface="Tahoma" pitchFamily="34" charset="0"/>
-                <a:cs typeface="2  Mehr" panose="00000700000000000000" pitchFamily="2" charset="-78"/>
-              </a:rPr>
-              <a:t>بستن تمامی تگ ها الزامی است.</a:t>
-            </a:r>
-          </a:p>
-          <a:p>
-            <a:pPr marL="285750" indent="-285750" algn="r" rtl="1">
-              <a:lnSpc>
-                <a:spcPts val="2800"/>
-              </a:lnSpc>
-              <a:buClr>
-                <a:srgbClr val="FF0000"/>
-              </a:buClr>
-              <a:buFont typeface="Wingdings" panose="05000000000000000000" pitchFamily="2" charset="2"/>
-              <a:buChar char="ü"/>
-            </a:pPr>
-            <a:r>
-              <a:rPr lang="fa-IR" sz="900" b="1" dirty="0" smtClean="0">
-                <a:solidFill>
-                  <a:schemeClr val="tx1"/>
-                </a:solidFill>
-                <a:latin typeface="Tahoma" pitchFamily="34" charset="0"/>
-                <a:ea typeface="Tahoma" pitchFamily="34" charset="0"/>
-                <a:cs typeface="2  Mehr" panose="00000700000000000000" pitchFamily="2" charset="-78"/>
-              </a:rPr>
-              <a:t>در </a:t>
-            </a:r>
-            <a:r>
-              <a:rPr lang="en-US" sz="900" b="1" dirty="0" smtClean="0">
-                <a:solidFill>
-                  <a:schemeClr val="tx1"/>
-                </a:solidFill>
-                <a:latin typeface="Tahoma" pitchFamily="34" charset="0"/>
-                <a:ea typeface="Tahoma" pitchFamily="34" charset="0"/>
-                <a:cs typeface="2  Mehr" panose="00000700000000000000" pitchFamily="2" charset="-78"/>
-              </a:rPr>
-              <a:t>XHTML </a:t>
-            </a:r>
-            <a:r>
-              <a:rPr lang="fa-IR" sz="900" b="1" dirty="0" smtClean="0">
-                <a:solidFill>
-                  <a:schemeClr val="tx1"/>
-                </a:solidFill>
-                <a:latin typeface="Tahoma" pitchFamily="34" charset="0"/>
-                <a:ea typeface="Tahoma" pitchFamily="34" charset="0"/>
-                <a:cs typeface="2  Mehr" panose="00000700000000000000" pitchFamily="2" charset="-78"/>
-              </a:rPr>
-              <a:t>باید تقدم و تاخر باز و بسته شدن تگ ها رعایت شود.</a:t>
-            </a:r>
-          </a:p>
-          <a:p>
-            <a:pPr marL="285750" indent="-285750" algn="r" rtl="1">
-              <a:lnSpc>
-                <a:spcPts val="2800"/>
-              </a:lnSpc>
-              <a:buClr>
-                <a:srgbClr val="FF0000"/>
-              </a:buClr>
-              <a:buFont typeface="Wingdings" panose="05000000000000000000" pitchFamily="2" charset="2"/>
-              <a:buChar char="ü"/>
-            </a:pPr>
-            <a:r>
-              <a:rPr lang="fa-IR" sz="900" b="1" dirty="0" smtClean="0">
-                <a:solidFill>
-                  <a:schemeClr val="tx1"/>
-                </a:solidFill>
-                <a:latin typeface="Tahoma" pitchFamily="34" charset="0"/>
-                <a:ea typeface="Tahoma" pitchFamily="34" charset="0"/>
-                <a:cs typeface="2  Mehr" panose="00000700000000000000" pitchFamily="2" charset="-78"/>
-              </a:rPr>
-              <a:t>در </a:t>
-            </a:r>
-            <a:r>
-              <a:rPr lang="en-US" sz="900" b="1" dirty="0" smtClean="0">
-                <a:solidFill>
-                  <a:schemeClr val="tx1"/>
-                </a:solidFill>
-                <a:latin typeface="Tahoma" pitchFamily="34" charset="0"/>
-                <a:ea typeface="Tahoma" pitchFamily="34" charset="0"/>
-                <a:cs typeface="2  Mehr" panose="00000700000000000000" pitchFamily="2" charset="-78"/>
-              </a:rPr>
-              <a:t>XHTML </a:t>
-            </a:r>
-            <a:r>
-              <a:rPr lang="fa-IR" sz="900" b="1" dirty="0" smtClean="0">
-                <a:solidFill>
-                  <a:schemeClr val="tx1"/>
-                </a:solidFill>
-                <a:latin typeface="Tahoma" pitchFamily="34" charset="0"/>
-                <a:ea typeface="Tahoma" pitchFamily="34" charset="0"/>
-                <a:cs typeface="2  Mehr" panose="00000700000000000000" pitchFamily="2" charset="-78"/>
-              </a:rPr>
-              <a:t>نام تگ ها و خاصیت های آنها باید با حروف کوچک نوشته شود.</a:t>
-            </a:r>
-          </a:p>
-          <a:p>
-            <a:pPr marL="285750" indent="-285750" algn="r" rtl="1">
-              <a:lnSpc>
-                <a:spcPts val="2800"/>
-              </a:lnSpc>
-              <a:buClr>
-                <a:srgbClr val="FF0000"/>
-              </a:buClr>
-              <a:buFont typeface="Wingdings" panose="05000000000000000000" pitchFamily="2" charset="2"/>
-              <a:buChar char="ü"/>
-            </a:pPr>
-            <a:r>
-              <a:rPr lang="fa-IR" sz="900" b="1" dirty="0" smtClean="0">
-                <a:solidFill>
-                  <a:schemeClr val="tx1"/>
-                </a:solidFill>
-                <a:latin typeface="Tahoma" pitchFamily="34" charset="0"/>
-                <a:ea typeface="Tahoma" pitchFamily="34" charset="0"/>
-                <a:cs typeface="2  Mehr" panose="00000700000000000000" pitchFamily="2" charset="-78"/>
-              </a:rPr>
-              <a:t>فایل </a:t>
-            </a:r>
-            <a:r>
-              <a:rPr lang="en-US" sz="900" b="1" dirty="0" smtClean="0">
-                <a:solidFill>
-                  <a:schemeClr val="tx1"/>
-                </a:solidFill>
-                <a:latin typeface="Tahoma" pitchFamily="34" charset="0"/>
-                <a:ea typeface="Tahoma" pitchFamily="34" charset="0"/>
-                <a:cs typeface="2  Mehr" panose="00000700000000000000" pitchFamily="2" charset="-78"/>
-              </a:rPr>
-              <a:t>XHTML </a:t>
-            </a:r>
-            <a:r>
-              <a:rPr lang="fa-IR" sz="900" b="1" dirty="0" smtClean="0">
-                <a:solidFill>
-                  <a:schemeClr val="tx1"/>
-                </a:solidFill>
-                <a:latin typeface="Tahoma" pitchFamily="34" charset="0"/>
-                <a:ea typeface="Tahoma" pitchFamily="34" charset="0"/>
-                <a:cs typeface="2  Mehr" panose="00000700000000000000" pitchFamily="2" charset="-78"/>
-              </a:rPr>
-              <a:t>باید حاوی یک عنصر ریشه &lt;</a:t>
-            </a:r>
-            <a:r>
-              <a:rPr lang="en-US" sz="900" b="1" dirty="0" smtClean="0">
-                <a:solidFill>
-                  <a:schemeClr val="tx1"/>
-                </a:solidFill>
-                <a:latin typeface="Tahoma" pitchFamily="34" charset="0"/>
-                <a:ea typeface="Tahoma" pitchFamily="34" charset="0"/>
-                <a:cs typeface="2  Mehr" panose="00000700000000000000" pitchFamily="2" charset="-78"/>
-              </a:rPr>
-              <a:t>html&gt; </a:t>
-            </a:r>
-            <a:r>
-              <a:rPr lang="fa-IR" sz="900" b="1" dirty="0" smtClean="0">
-                <a:solidFill>
-                  <a:schemeClr val="tx1"/>
-                </a:solidFill>
-                <a:latin typeface="Tahoma" pitchFamily="34" charset="0"/>
-                <a:ea typeface="Tahoma" pitchFamily="34" charset="0"/>
-                <a:cs typeface="2  Mehr" panose="00000700000000000000" pitchFamily="2" charset="-78"/>
-              </a:rPr>
-              <a:t>باشد.</a:t>
-            </a:r>
-          </a:p>
-          <a:p>
-            <a:pPr marL="285750" indent="-285750" algn="r" rtl="1">
-              <a:lnSpc>
-                <a:spcPts val="2800"/>
-              </a:lnSpc>
-              <a:buClr>
-                <a:srgbClr val="FF0000"/>
-              </a:buClr>
-              <a:buFont typeface="Wingdings" panose="05000000000000000000" pitchFamily="2" charset="2"/>
-              <a:buChar char="ü"/>
-            </a:pPr>
-            <a:r>
-              <a:rPr lang="fa-IR" sz="900" b="1" dirty="0" smtClean="0">
-                <a:solidFill>
-                  <a:schemeClr val="tx1"/>
-                </a:solidFill>
-                <a:latin typeface="Tahoma" pitchFamily="34" charset="0"/>
-                <a:ea typeface="Tahoma" pitchFamily="34" charset="0"/>
-                <a:cs typeface="2  Mehr" panose="00000700000000000000" pitchFamily="2" charset="-78"/>
-              </a:rPr>
-              <a:t>کلیه تصاویر باید دارای توضیح باشند.</a:t>
-            </a:r>
-            <a:endParaRPr lang="en-US" sz="900" b="1" dirty="0" smtClean="0">
-              <a:solidFill>
-                <a:schemeClr val="tx1"/>
-              </a:solidFill>
-              <a:latin typeface="Tahoma" pitchFamily="34" charset="0"/>
-              <a:ea typeface="Tahoma" pitchFamily="34" charset="0"/>
-              <a:cs typeface="2  Mehr" panose="00000700000000000000" pitchFamily="2" charset="-78"/>
-            </a:endParaRPr>
-          </a:p>
-          <a:p>
-            <a:pPr marL="285750" indent="-285750" algn="r" rtl="1">
-              <a:lnSpc>
-                <a:spcPts val="2800"/>
-              </a:lnSpc>
-              <a:buClr>
-                <a:srgbClr val="FF0000"/>
-              </a:buClr>
-              <a:buFont typeface="Wingdings" panose="05000000000000000000" pitchFamily="2" charset="2"/>
-              <a:buChar char="ü"/>
-            </a:pPr>
-            <a:r>
-              <a:rPr lang="fa-IR" sz="900" b="1" dirty="0" smtClean="0">
-                <a:solidFill>
-                  <a:schemeClr val="tx1"/>
-                </a:solidFill>
-                <a:latin typeface="Tahoma" pitchFamily="34" charset="0"/>
-                <a:ea typeface="Tahoma" pitchFamily="34" charset="0"/>
-                <a:cs typeface="2  Mehr" panose="00000700000000000000" pitchFamily="2" charset="-78"/>
-              </a:rPr>
-              <a:t>مهم‌ترین تفاوت این دو استاندارد، سخت‌گیرانه بودن </a:t>
-            </a:r>
-            <a:r>
-              <a:rPr lang="en-US" sz="900" b="1" dirty="0" smtClean="0">
-                <a:solidFill>
-                  <a:schemeClr val="tx1"/>
-                </a:solidFill>
-                <a:latin typeface="Tahoma" pitchFamily="34" charset="0"/>
-                <a:ea typeface="Tahoma" pitchFamily="34" charset="0"/>
-                <a:cs typeface="2  Mehr" panose="00000700000000000000" pitchFamily="2" charset="-78"/>
-              </a:rPr>
-              <a:t>XHTML </a:t>
-            </a:r>
-            <a:r>
-              <a:rPr lang="fa-IR" sz="900" b="1" dirty="0" smtClean="0">
-                <a:solidFill>
-                  <a:schemeClr val="tx1"/>
-                </a:solidFill>
-                <a:latin typeface="Tahoma" pitchFamily="34" charset="0"/>
-                <a:ea typeface="Tahoma" pitchFamily="34" charset="0"/>
-                <a:cs typeface="2  Mehr" panose="00000700000000000000" pitchFamily="2" charset="-78"/>
-              </a:rPr>
-              <a:t>در مقایسه با </a:t>
-            </a:r>
-            <a:r>
-              <a:rPr lang="en-US" sz="900" b="1" dirty="0" smtClean="0">
-                <a:solidFill>
-                  <a:schemeClr val="tx1"/>
-                </a:solidFill>
-                <a:latin typeface="Tahoma" pitchFamily="34" charset="0"/>
-                <a:ea typeface="Tahoma" pitchFamily="34" charset="0"/>
-                <a:cs typeface="2  Mehr" panose="00000700000000000000" pitchFamily="2" charset="-78"/>
-              </a:rPr>
-              <a:t>HTML </a:t>
-            </a:r>
-            <a:r>
-              <a:rPr lang="fa-IR" sz="900" b="1" dirty="0" smtClean="0">
-                <a:solidFill>
-                  <a:schemeClr val="tx1"/>
-                </a:solidFill>
-                <a:latin typeface="Tahoma" pitchFamily="34" charset="0"/>
-                <a:ea typeface="Tahoma" pitchFamily="34" charset="0"/>
-                <a:cs typeface="2  Mehr" panose="00000700000000000000" pitchFamily="2" charset="-78"/>
-              </a:rPr>
-              <a:t>است. با توجه به اینکه </a:t>
-            </a:r>
-            <a:r>
-              <a:rPr lang="en-US" sz="900" b="1" dirty="0" smtClean="0">
-                <a:solidFill>
-                  <a:schemeClr val="tx1"/>
-                </a:solidFill>
-                <a:latin typeface="Tahoma" pitchFamily="34" charset="0"/>
-                <a:ea typeface="Tahoma" pitchFamily="34" charset="0"/>
-                <a:cs typeface="2  Mehr" panose="00000700000000000000" pitchFamily="2" charset="-78"/>
-              </a:rPr>
-              <a:t>XHTML </a:t>
-            </a:r>
-            <a:r>
-              <a:rPr lang="fa-IR" sz="900" b="1" dirty="0" smtClean="0">
-                <a:solidFill>
-                  <a:schemeClr val="tx1"/>
-                </a:solidFill>
-                <a:latin typeface="Tahoma" pitchFamily="34" charset="0"/>
-                <a:ea typeface="Tahoma" pitchFamily="34" charset="0"/>
-                <a:cs typeface="2  Mehr" panose="00000700000000000000" pitchFamily="2" charset="-78"/>
-              </a:rPr>
-              <a:t>می‌بایست قوانین </a:t>
-            </a:r>
-            <a:r>
-              <a:rPr lang="en-US" sz="900" b="1" dirty="0" smtClean="0">
-                <a:solidFill>
-                  <a:schemeClr val="tx1"/>
-                </a:solidFill>
-                <a:latin typeface="Tahoma" pitchFamily="34" charset="0"/>
-                <a:ea typeface="Tahoma" pitchFamily="34" charset="0"/>
-                <a:cs typeface="2  Mehr" panose="00000700000000000000" pitchFamily="2" charset="-78"/>
-              </a:rPr>
-              <a:t>XML </a:t>
-            </a:r>
-            <a:r>
-              <a:rPr lang="fa-IR" sz="900" b="1" dirty="0" smtClean="0">
-                <a:solidFill>
-                  <a:schemeClr val="tx1"/>
-                </a:solidFill>
-                <a:latin typeface="Tahoma" pitchFamily="34" charset="0"/>
-                <a:ea typeface="Tahoma" pitchFamily="34" charset="0"/>
-                <a:cs typeface="2  Mehr" panose="00000700000000000000" pitchFamily="2" charset="-78"/>
-              </a:rPr>
-              <a:t>را به خوبی رعایت کند، خطاهای کوچک مانند نبستن یک تگ یا استفاده‌ی نادرست از تگ‌های تودرتو سبب ایجاد خطاهای جدی در این استاندارد می‌شود.</a:t>
-            </a:r>
-            <a:endParaRPr lang="en-US" sz="900" b="1" dirty="0" smtClean="0">
-              <a:solidFill>
-                <a:schemeClr val="tx1"/>
-              </a:solidFill>
-              <a:latin typeface="Tahoma" pitchFamily="34" charset="0"/>
-              <a:ea typeface="Tahoma" pitchFamily="34" charset="0"/>
-              <a:cs typeface="2  Mehr" panose="00000700000000000000" pitchFamily="2" charset="-78"/>
-            </a:endParaRPr>
-          </a:p>
-          <a:p>
-            <a:pPr marL="285750" indent="-285750" algn="r" rtl="1">
-              <a:lnSpc>
-                <a:spcPts val="2800"/>
-              </a:lnSpc>
-              <a:buClr>
-                <a:srgbClr val="FF0000"/>
-              </a:buClr>
-              <a:buFont typeface="Wingdings" panose="05000000000000000000" pitchFamily="2" charset="2"/>
-              <a:buChar char="ü"/>
-            </a:pPr>
-            <a:r>
-              <a:rPr lang="fa-IR" sz="900" dirty="0" smtClean="0"/>
-              <a:t>تمامی محدودیت‌های ایجاد شده با ورود </a:t>
-            </a:r>
-            <a:r>
-              <a:rPr lang="en-US" sz="900" dirty="0" smtClean="0"/>
-              <a:t>XHTML </a:t>
-            </a:r>
-            <a:r>
-              <a:rPr lang="fa-IR" sz="900" dirty="0" smtClean="0"/>
-              <a:t>سبب شد تا توجه همگانی به آن رو به کاهش برود و تمایل به استفاده از استاندارد جدید و منعطف </a:t>
-            </a:r>
-            <a:r>
-              <a:rPr lang="en-US" sz="900" dirty="0" smtClean="0"/>
-              <a:t>HTML5 </a:t>
-            </a:r>
-            <a:r>
-              <a:rPr lang="fa-IR" sz="900" dirty="0" smtClean="0"/>
-              <a:t>افزایش یابد.</a:t>
-            </a:r>
-          </a:p>
-          <a:p>
-            <a:pPr marL="285750" indent="-285750" algn="r" rtl="1">
-              <a:lnSpc>
-                <a:spcPts val="2800"/>
-              </a:lnSpc>
-              <a:buClr>
-                <a:srgbClr val="FF0000"/>
-              </a:buClr>
-              <a:buFont typeface="Wingdings" panose="05000000000000000000" pitchFamily="2" charset="2"/>
-              <a:buChar char="ü"/>
-            </a:pPr>
-            <a:r>
-              <a:rPr lang="fa-IR" sz="900" b="1" dirty="0" smtClean="0">
-                <a:solidFill>
-                  <a:schemeClr val="tx1"/>
-                </a:solidFill>
-                <a:latin typeface="Tahoma" pitchFamily="34" charset="0"/>
-                <a:ea typeface="Tahoma" pitchFamily="34" charset="0"/>
-                <a:cs typeface="2  Mehr" panose="00000700000000000000" pitchFamily="2" charset="-78"/>
-              </a:rPr>
-              <a:t>به همین دلیل </a:t>
-            </a:r>
-            <a:r>
-              <a:rPr lang="en-US" sz="900" b="1" dirty="0" smtClean="0">
-                <a:solidFill>
-                  <a:schemeClr val="tx1"/>
-                </a:solidFill>
-                <a:latin typeface="Tahoma" pitchFamily="34" charset="0"/>
-                <a:ea typeface="Tahoma" pitchFamily="34" charset="0"/>
-                <a:cs typeface="2  Mehr" panose="00000700000000000000" pitchFamily="2" charset="-78"/>
-              </a:rPr>
-              <a:t>HTML5 </a:t>
-            </a:r>
-            <a:r>
-              <a:rPr lang="fa-IR" sz="900" b="1" dirty="0" smtClean="0">
-                <a:solidFill>
-                  <a:schemeClr val="tx1"/>
-                </a:solidFill>
-                <a:latin typeface="Tahoma" pitchFamily="34" charset="0"/>
-                <a:ea typeface="Tahoma" pitchFamily="34" charset="0"/>
-                <a:cs typeface="2  Mehr" panose="00000700000000000000" pitchFamily="2" charset="-78"/>
-              </a:rPr>
-              <a:t>پیش از آنکه به صورت رسمی به استانداردی برای طراحی سایت تبدیل شود، توسط اغلب توسعه‌دهندگان پذیرفته شده و مورد استفاده قرار گرفت.</a:t>
-            </a:r>
-            <a:endParaRPr lang="en-US" sz="900" b="1" dirty="0" smtClean="0">
-              <a:solidFill>
-                <a:schemeClr val="tx1"/>
-              </a:solidFill>
-              <a:latin typeface="Tahoma" pitchFamily="34" charset="0"/>
-              <a:ea typeface="Tahoma" pitchFamily="34" charset="0"/>
-              <a:cs typeface="2  Mehr" panose="00000700000000000000" pitchFamily="2" charset="-78"/>
-            </a:endParaRPr>
-          </a:p>
-          <a:p>
-            <a:pPr marL="285750" indent="-285750" algn="r" rtl="1">
-              <a:lnSpc>
-                <a:spcPts val="2800"/>
-              </a:lnSpc>
-              <a:buClr>
-                <a:srgbClr val="FF0000"/>
-              </a:buClr>
-              <a:buFont typeface="Wingdings" panose="05000000000000000000" pitchFamily="2" charset="2"/>
-              <a:buChar char="ü"/>
-            </a:pPr>
-            <a:r>
-              <a:rPr lang="fa-IR" sz="900" b="1" dirty="0" smtClean="0">
-                <a:solidFill>
-                  <a:schemeClr val="tx1"/>
-                </a:solidFill>
-                <a:latin typeface="Tahoma" pitchFamily="34" charset="0"/>
-                <a:ea typeface="Tahoma" pitchFamily="34" charset="0"/>
-                <a:cs typeface="2  Mehr" panose="00000700000000000000" pitchFamily="2" charset="-78"/>
-              </a:rPr>
-              <a:t>در حالی که در </a:t>
-            </a:r>
-            <a:r>
-              <a:rPr lang="en-US" sz="900" b="1" dirty="0" smtClean="0">
-                <a:solidFill>
-                  <a:schemeClr val="tx1"/>
-                </a:solidFill>
-                <a:latin typeface="Tahoma" pitchFamily="34" charset="0"/>
-                <a:ea typeface="Tahoma" pitchFamily="34" charset="0"/>
-                <a:cs typeface="2  Mehr" panose="00000700000000000000" pitchFamily="2" charset="-78"/>
-              </a:rPr>
-              <a:t>HTML، </a:t>
-            </a:r>
-            <a:r>
-              <a:rPr lang="fa-IR" sz="900" b="1" dirty="0" smtClean="0">
-                <a:solidFill>
-                  <a:schemeClr val="tx1"/>
-                </a:solidFill>
-                <a:latin typeface="Tahoma" pitchFamily="34" charset="0"/>
-                <a:ea typeface="Tahoma" pitchFamily="34" charset="0"/>
-                <a:cs typeface="2  Mehr" panose="00000700000000000000" pitchFamily="2" charset="-78"/>
-              </a:rPr>
-              <a:t>سختگیری به حداقل ممکن رسیده است و انعطاف در بستن یا نبستن تگ‌ها و تلاش برای رفع خودکار خطاهای تایپی یا ساختاری به حداکثر ممکن رسیده است.</a:t>
-            </a:r>
-          </a:p>
-          <a:p>
-            <a:pPr marL="285750" indent="-285750" algn="r" rtl="1">
-              <a:lnSpc>
-                <a:spcPts val="2800"/>
-              </a:lnSpc>
-              <a:buClr>
-                <a:srgbClr val="FF0000"/>
-              </a:buClr>
-              <a:buFont typeface="Wingdings" panose="05000000000000000000" pitchFamily="2" charset="2"/>
-              <a:buChar char="ü"/>
-            </a:pPr>
-            <a:r>
-              <a:rPr lang="fa-IR" sz="900" b="1" dirty="0" smtClean="0">
-                <a:solidFill>
-                  <a:schemeClr val="tx1"/>
-                </a:solidFill>
-                <a:latin typeface="Tahoma" pitchFamily="34" charset="0"/>
-                <a:ea typeface="Tahoma" pitchFamily="34" charset="0"/>
-                <a:cs typeface="2  Mehr" panose="00000700000000000000" pitchFamily="2" charset="-78"/>
-              </a:rPr>
-              <a:t>استفاده از تگ خط جدید به شکل «‎&lt;</a:t>
-            </a:r>
-            <a:r>
-              <a:rPr lang="en-US" sz="900" b="1" dirty="0" err="1" smtClean="0">
-                <a:solidFill>
-                  <a:schemeClr val="tx1"/>
-                </a:solidFill>
-                <a:latin typeface="Tahoma" pitchFamily="34" charset="0"/>
-                <a:ea typeface="Tahoma" pitchFamily="34" charset="0"/>
-                <a:cs typeface="2  Mehr" panose="00000700000000000000" pitchFamily="2" charset="-78"/>
-              </a:rPr>
-              <a:t>br</a:t>
-            </a:r>
-            <a:r>
-              <a:rPr lang="en-US" sz="900" b="1" dirty="0" smtClean="0">
-                <a:solidFill>
-                  <a:schemeClr val="tx1"/>
-                </a:solidFill>
-                <a:latin typeface="Tahoma" pitchFamily="34" charset="0"/>
-                <a:ea typeface="Tahoma" pitchFamily="34" charset="0"/>
-                <a:cs typeface="2  Mehr" panose="00000700000000000000" pitchFamily="2" charset="-78"/>
-              </a:rPr>
-              <a:t> /&gt;‎» </a:t>
-            </a:r>
-            <a:r>
-              <a:rPr lang="fa-IR" sz="900" b="1" dirty="0" smtClean="0">
-                <a:solidFill>
-                  <a:schemeClr val="tx1"/>
-                </a:solidFill>
-                <a:latin typeface="Tahoma" pitchFamily="34" charset="0"/>
-                <a:ea typeface="Tahoma" pitchFamily="34" charset="0"/>
-                <a:cs typeface="2  Mehr" panose="00000700000000000000" pitchFamily="2" charset="-78"/>
-              </a:rPr>
-              <a:t>در طراحی سایت‌های جدید، بازمانده‌ای از دوران </a:t>
-            </a:r>
-            <a:r>
-              <a:rPr lang="en-US" sz="900" b="1" dirty="0" smtClean="0">
-                <a:solidFill>
-                  <a:schemeClr val="tx1"/>
-                </a:solidFill>
-                <a:latin typeface="Tahoma" pitchFamily="34" charset="0"/>
-                <a:ea typeface="Tahoma" pitchFamily="34" charset="0"/>
-                <a:cs typeface="2  Mehr" panose="00000700000000000000" pitchFamily="2" charset="-78"/>
-              </a:rPr>
-              <a:t>XHTML </a:t>
-            </a:r>
-            <a:r>
-              <a:rPr lang="fa-IR" sz="900" b="1" dirty="0" smtClean="0">
-                <a:solidFill>
-                  <a:schemeClr val="tx1"/>
-                </a:solidFill>
-                <a:latin typeface="Tahoma" pitchFamily="34" charset="0"/>
-                <a:ea typeface="Tahoma" pitchFamily="34" charset="0"/>
-                <a:cs typeface="2  Mehr" panose="00000700000000000000" pitchFamily="2" charset="-78"/>
-              </a:rPr>
-              <a:t>به شمار می‌رود. در استاندارد جدید </a:t>
-            </a:r>
-            <a:r>
-              <a:rPr lang="en-US" sz="900" b="1" dirty="0" smtClean="0">
-                <a:solidFill>
-                  <a:schemeClr val="tx1"/>
-                </a:solidFill>
-                <a:latin typeface="Tahoma" pitchFamily="34" charset="0"/>
-                <a:ea typeface="Tahoma" pitchFamily="34" charset="0"/>
-                <a:cs typeface="2  Mehr" panose="00000700000000000000" pitchFamily="2" charset="-78"/>
-              </a:rPr>
-              <a:t>HTML5 </a:t>
-            </a:r>
-            <a:r>
-              <a:rPr lang="fa-IR" sz="900" b="1" dirty="0" smtClean="0">
-                <a:solidFill>
-                  <a:schemeClr val="tx1"/>
-                </a:solidFill>
-                <a:latin typeface="Tahoma" pitchFamily="34" charset="0"/>
-                <a:ea typeface="Tahoma" pitchFamily="34" charset="0"/>
-                <a:cs typeface="2  Mehr" panose="00000700000000000000" pitchFamily="2" charset="-78"/>
-              </a:rPr>
-              <a:t>لزومی برای بستن تمامی تگ‌ها به صورت صریح یا ضمنی به شکل فوق وجود ندارد و نوشتن «&lt;</a:t>
-            </a:r>
-            <a:r>
-              <a:rPr lang="en-US" sz="900" b="1" dirty="0" err="1" smtClean="0">
-                <a:solidFill>
-                  <a:schemeClr val="tx1"/>
-                </a:solidFill>
-                <a:latin typeface="Tahoma" pitchFamily="34" charset="0"/>
-                <a:ea typeface="Tahoma" pitchFamily="34" charset="0"/>
-                <a:cs typeface="2  Mehr" panose="00000700000000000000" pitchFamily="2" charset="-78"/>
-              </a:rPr>
-              <a:t>br</a:t>
-            </a:r>
-            <a:r>
-              <a:rPr lang="en-US" sz="900" b="1" dirty="0" smtClean="0">
-                <a:solidFill>
-                  <a:schemeClr val="tx1"/>
-                </a:solidFill>
-                <a:latin typeface="Tahoma" pitchFamily="34" charset="0"/>
-                <a:ea typeface="Tahoma" pitchFamily="34" charset="0"/>
-                <a:cs typeface="2  Mehr" panose="00000700000000000000" pitchFamily="2" charset="-78"/>
-              </a:rPr>
-              <a:t>&gt;» </a:t>
-            </a:r>
-            <a:r>
-              <a:rPr lang="fa-IR" sz="900" b="1" dirty="0" smtClean="0">
-                <a:solidFill>
-                  <a:schemeClr val="tx1"/>
-                </a:solidFill>
-                <a:latin typeface="Tahoma" pitchFamily="34" charset="0"/>
-                <a:ea typeface="Tahoma" pitchFamily="34" charset="0"/>
-                <a:cs typeface="2  Mehr" panose="00000700000000000000" pitchFamily="2" charset="-78"/>
-              </a:rPr>
-              <a:t>کفایت می‌کند.</a:t>
-            </a:r>
-            <a:endParaRPr lang="en-US" sz="900" b="1" dirty="0" smtClean="0">
-              <a:solidFill>
-                <a:schemeClr val="tx1"/>
-              </a:solidFill>
-              <a:latin typeface="Tahoma" pitchFamily="34" charset="0"/>
-              <a:ea typeface="Tahoma" pitchFamily="34" charset="0"/>
-              <a:cs typeface="2  Mehr" panose="00000700000000000000" pitchFamily="2" charset="-78"/>
-            </a:endParaRPr>
-          </a:p>
-          <a:p>
-            <a:pPr marL="285750" indent="-285750" algn="r" rtl="1">
-              <a:lnSpc>
-                <a:spcPts val="2800"/>
-              </a:lnSpc>
-              <a:buClr>
-                <a:srgbClr val="FF0000"/>
-              </a:buClr>
-              <a:buFont typeface="Wingdings" panose="05000000000000000000" pitchFamily="2" charset="2"/>
-              <a:buChar char="ü"/>
-            </a:pPr>
-            <a:r>
-              <a:rPr lang="fa-IR" sz="900" b="1" dirty="0" smtClean="0">
-                <a:solidFill>
-                  <a:schemeClr val="tx1"/>
-                </a:solidFill>
-                <a:latin typeface="Tahoma" pitchFamily="34" charset="0"/>
-                <a:ea typeface="Tahoma" pitchFamily="34" charset="0"/>
-                <a:cs typeface="2  Mehr" panose="00000700000000000000" pitchFamily="2" charset="-78"/>
-              </a:rPr>
-              <a:t>در بخش جاوااسکریپت نیز تفاوت‌های میان این دو استاندارد وجود دارد. برای مثال استفاده از </a:t>
-            </a:r>
-            <a:r>
-              <a:rPr lang="en-US" sz="900" b="1" dirty="0" err="1" smtClean="0">
-                <a:solidFill>
-                  <a:schemeClr val="tx1"/>
-                </a:solidFill>
-                <a:latin typeface="Tahoma" pitchFamily="34" charset="0"/>
-                <a:ea typeface="Tahoma" pitchFamily="34" charset="0"/>
-                <a:cs typeface="2  Mehr" panose="00000700000000000000" pitchFamily="2" charset="-78"/>
-              </a:rPr>
-              <a:t>document.write</a:t>
-            </a:r>
-            <a:r>
-              <a:rPr lang="en-US" sz="900" b="1" dirty="0" smtClean="0">
-                <a:solidFill>
-                  <a:schemeClr val="tx1"/>
-                </a:solidFill>
-                <a:latin typeface="Tahoma" pitchFamily="34" charset="0"/>
-                <a:ea typeface="Tahoma" pitchFamily="34" charset="0"/>
-                <a:cs typeface="2  Mehr" panose="00000700000000000000" pitchFamily="2" charset="-78"/>
-              </a:rPr>
-              <a:t> </a:t>
-            </a:r>
-            <a:r>
-              <a:rPr lang="fa-IR" sz="900" b="1" dirty="0" smtClean="0">
-                <a:solidFill>
-                  <a:schemeClr val="tx1"/>
-                </a:solidFill>
-                <a:latin typeface="Tahoma" pitchFamily="34" charset="0"/>
-                <a:ea typeface="Tahoma" pitchFamily="34" charset="0"/>
-                <a:cs typeface="2  Mehr" panose="00000700000000000000" pitchFamily="2" charset="-78"/>
-              </a:rPr>
-              <a:t>در </a:t>
-            </a:r>
-            <a:r>
-              <a:rPr lang="en-US" sz="900" b="1" dirty="0" smtClean="0">
-                <a:solidFill>
-                  <a:schemeClr val="tx1"/>
-                </a:solidFill>
-                <a:latin typeface="Tahoma" pitchFamily="34" charset="0"/>
-                <a:ea typeface="Tahoma" pitchFamily="34" charset="0"/>
-                <a:cs typeface="2  Mehr" panose="00000700000000000000" pitchFamily="2" charset="-78"/>
-              </a:rPr>
-              <a:t>XHTML </a:t>
-            </a:r>
-            <a:r>
-              <a:rPr lang="fa-IR" sz="900" b="1" dirty="0" smtClean="0">
-                <a:solidFill>
-                  <a:schemeClr val="tx1"/>
-                </a:solidFill>
-                <a:latin typeface="Tahoma" pitchFamily="34" charset="0"/>
-                <a:ea typeface="Tahoma" pitchFamily="34" charset="0"/>
-                <a:cs typeface="2  Mehr" panose="00000700000000000000" pitchFamily="2" charset="-78"/>
-              </a:rPr>
-              <a:t>امکان‌پذیر نیست.</a:t>
-            </a:r>
-          </a:p>
-          <a:p>
-            <a:pPr marL="285750" indent="-285750" algn="r" rtl="1">
-              <a:lnSpc>
-                <a:spcPts val="2800"/>
-              </a:lnSpc>
-              <a:buClr>
-                <a:srgbClr val="FF0000"/>
-              </a:buClr>
-              <a:buFont typeface="Wingdings" panose="05000000000000000000" pitchFamily="2" charset="2"/>
-              <a:buChar char="ü"/>
-            </a:pPr>
-            <a:r>
-              <a:rPr lang="fa-IR" sz="900" b="1" dirty="0" smtClean="0">
-                <a:solidFill>
-                  <a:schemeClr val="tx1"/>
-                </a:solidFill>
-                <a:latin typeface="Tahoma" pitchFamily="34" charset="0"/>
-                <a:ea typeface="Tahoma" pitchFamily="34" charset="0"/>
-                <a:cs typeface="2  Mehr" panose="00000700000000000000" pitchFamily="2" charset="-78"/>
-              </a:rPr>
-              <a:t>در بخش </a:t>
-            </a:r>
-            <a:r>
-              <a:rPr lang="en-US" sz="900" b="1" dirty="0" smtClean="0">
-                <a:solidFill>
-                  <a:schemeClr val="tx1"/>
-                </a:solidFill>
-                <a:latin typeface="Tahoma" pitchFamily="34" charset="0"/>
-                <a:ea typeface="Tahoma" pitchFamily="34" charset="0"/>
-                <a:cs typeface="2  Mehr" panose="00000700000000000000" pitchFamily="2" charset="-78"/>
-              </a:rPr>
-              <a:t>CSS </a:t>
-            </a:r>
-            <a:r>
-              <a:rPr lang="fa-IR" sz="900" b="1" dirty="0" smtClean="0">
-                <a:solidFill>
-                  <a:schemeClr val="tx1"/>
-                </a:solidFill>
-                <a:latin typeface="Tahoma" pitchFamily="34" charset="0"/>
-                <a:ea typeface="Tahoma" pitchFamily="34" charset="0"/>
-                <a:cs typeface="2  Mehr" panose="00000700000000000000" pitchFamily="2" charset="-78"/>
-              </a:rPr>
-              <a:t>نیز محدودیت‌هایی از جمله حساسیت به سطح حروف برای </a:t>
-            </a:r>
-            <a:r>
-              <a:rPr lang="en-US" sz="900" b="1" dirty="0" smtClean="0">
-                <a:solidFill>
-                  <a:schemeClr val="tx1"/>
-                </a:solidFill>
-                <a:latin typeface="Tahoma" pitchFamily="34" charset="0"/>
-                <a:ea typeface="Tahoma" pitchFamily="34" charset="0"/>
-                <a:cs typeface="2  Mehr" panose="00000700000000000000" pitchFamily="2" charset="-78"/>
-              </a:rPr>
-              <a:t>Selector</a:t>
-            </a:r>
-            <a:r>
-              <a:rPr lang="fa-IR" sz="900" b="1" dirty="0" smtClean="0">
-                <a:solidFill>
-                  <a:schemeClr val="tx1"/>
-                </a:solidFill>
-                <a:latin typeface="Tahoma" pitchFamily="34" charset="0"/>
-                <a:ea typeface="Tahoma" pitchFamily="34" charset="0"/>
-                <a:cs typeface="2  Mehr" panose="00000700000000000000" pitchFamily="2" charset="-78"/>
-              </a:rPr>
-              <a:t>ها در </a:t>
-            </a:r>
-            <a:r>
-              <a:rPr lang="en-US" sz="900" b="1" dirty="0" smtClean="0">
-                <a:solidFill>
-                  <a:schemeClr val="tx1"/>
-                </a:solidFill>
-                <a:latin typeface="Tahoma" pitchFamily="34" charset="0"/>
-                <a:ea typeface="Tahoma" pitchFamily="34" charset="0"/>
-                <a:cs typeface="2  Mehr" panose="00000700000000000000" pitchFamily="2" charset="-78"/>
-              </a:rPr>
-              <a:t>XHTML </a:t>
-            </a:r>
-            <a:r>
-              <a:rPr lang="fa-IR" sz="900" b="1" dirty="0" smtClean="0">
-                <a:solidFill>
-                  <a:schemeClr val="tx1"/>
-                </a:solidFill>
-                <a:latin typeface="Tahoma" pitchFamily="34" charset="0"/>
-                <a:ea typeface="Tahoma" pitchFamily="34" charset="0"/>
-                <a:cs typeface="2  Mehr" panose="00000700000000000000" pitchFamily="2" charset="-78"/>
-              </a:rPr>
-              <a:t>وجود دارد که ممکن است سبب دشوار شدن کار برنامه‌نویسان شود.</a:t>
-            </a:r>
-            <a:endParaRPr lang="en-US" sz="900" b="1" dirty="0" smtClean="0">
-              <a:solidFill>
-                <a:schemeClr val="tx1"/>
-              </a:solidFill>
-              <a:latin typeface="Tahoma" pitchFamily="34" charset="0"/>
-              <a:ea typeface="Tahoma" pitchFamily="34" charset="0"/>
-              <a:cs typeface="2  Mehr" panose="00000700000000000000" pitchFamily="2" charset="-78"/>
-            </a:endParaRPr>
-          </a:p>
-          <a:p>
-            <a:pPr marL="285750" indent="-285750" algn="r" rtl="1">
-              <a:lnSpc>
-                <a:spcPts val="2800"/>
-              </a:lnSpc>
-              <a:buClr>
-                <a:srgbClr val="FF0000"/>
-              </a:buClr>
-              <a:buFont typeface="Wingdings" panose="05000000000000000000" pitchFamily="2" charset="2"/>
-              <a:buChar char="ü"/>
-            </a:pPr>
-            <a:r>
-              <a:rPr lang="fa-IR" sz="900" b="1" dirty="0" smtClean="0">
-                <a:solidFill>
-                  <a:schemeClr val="tx1"/>
-                </a:solidFill>
-                <a:latin typeface="Tahoma" pitchFamily="34" charset="0"/>
-                <a:ea typeface="Tahoma" pitchFamily="34" charset="0"/>
-                <a:cs typeface="2  Mehr" panose="00000700000000000000" pitchFamily="2" charset="-78"/>
-              </a:rPr>
-              <a:t>یکی از استانداردهای واسط که پس از </a:t>
-            </a:r>
-            <a:r>
-              <a:rPr lang="en-US" sz="900" b="1" dirty="0" smtClean="0">
-                <a:solidFill>
-                  <a:schemeClr val="tx1"/>
-                </a:solidFill>
-                <a:latin typeface="Tahoma" pitchFamily="34" charset="0"/>
-                <a:ea typeface="Tahoma" pitchFamily="34" charset="0"/>
-                <a:cs typeface="2  Mehr" panose="00000700000000000000" pitchFamily="2" charset="-78"/>
-              </a:rPr>
-              <a:t>HTML4 </a:t>
-            </a:r>
-            <a:r>
-              <a:rPr lang="fa-IR" sz="900" b="1" dirty="0" smtClean="0">
-                <a:solidFill>
-                  <a:schemeClr val="tx1"/>
-                </a:solidFill>
-                <a:latin typeface="Tahoma" pitchFamily="34" charset="0"/>
-                <a:ea typeface="Tahoma" pitchFamily="34" charset="0"/>
-                <a:cs typeface="2  Mehr" panose="00000700000000000000" pitchFamily="2" charset="-78"/>
-              </a:rPr>
-              <a:t>و پیش از ارائه‌ی </a:t>
-            </a:r>
-            <a:r>
-              <a:rPr lang="en-US" sz="900" b="1" dirty="0" smtClean="0">
-                <a:solidFill>
-                  <a:schemeClr val="tx1"/>
-                </a:solidFill>
-                <a:latin typeface="Tahoma" pitchFamily="34" charset="0"/>
-                <a:ea typeface="Tahoma" pitchFamily="34" charset="0"/>
-                <a:cs typeface="2  Mehr" panose="00000700000000000000" pitchFamily="2" charset="-78"/>
-              </a:rPr>
-              <a:t>HTML5 </a:t>
-            </a:r>
-            <a:r>
-              <a:rPr lang="fa-IR" sz="900" b="1" dirty="0" smtClean="0">
-                <a:solidFill>
-                  <a:schemeClr val="tx1"/>
-                </a:solidFill>
-                <a:latin typeface="Tahoma" pitchFamily="34" charset="0"/>
-                <a:ea typeface="Tahoma" pitchFamily="34" charset="0"/>
-                <a:cs typeface="2  Mehr" panose="00000700000000000000" pitchFamily="2" charset="-78"/>
-              </a:rPr>
-              <a:t>تا حدود زیادی متداول گردید، </a:t>
-            </a:r>
-            <a:r>
-              <a:rPr lang="en-US" sz="900" b="1" dirty="0" smtClean="0">
-                <a:solidFill>
-                  <a:schemeClr val="tx1"/>
-                </a:solidFill>
-                <a:latin typeface="Tahoma" pitchFamily="34" charset="0"/>
-                <a:ea typeface="Tahoma" pitchFamily="34" charset="0"/>
-                <a:cs typeface="2  Mehr" panose="00000700000000000000" pitchFamily="2" charset="-78"/>
-              </a:rPr>
-              <a:t>XHTML </a:t>
-            </a:r>
-            <a:r>
-              <a:rPr lang="fa-IR" sz="900" b="1" dirty="0" smtClean="0">
-                <a:solidFill>
-                  <a:schemeClr val="tx1"/>
-                </a:solidFill>
-                <a:latin typeface="Tahoma" pitchFamily="34" charset="0"/>
-                <a:ea typeface="Tahoma" pitchFamily="34" charset="0"/>
-                <a:cs typeface="2  Mehr" panose="00000700000000000000" pitchFamily="2" charset="-78"/>
-              </a:rPr>
-              <a:t>یا </a:t>
-            </a:r>
-            <a:r>
-              <a:rPr lang="en-US" sz="900" b="1" dirty="0" smtClean="0">
-                <a:solidFill>
-                  <a:schemeClr val="tx1"/>
-                </a:solidFill>
-                <a:latin typeface="Tahoma" pitchFamily="34" charset="0"/>
-                <a:ea typeface="Tahoma" pitchFamily="34" charset="0"/>
-                <a:cs typeface="2  Mehr" panose="00000700000000000000" pitchFamily="2" charset="-78"/>
-              </a:rPr>
-              <a:t>Extensible Hypertext Markup Language </a:t>
-            </a:r>
-            <a:r>
-              <a:rPr lang="fa-IR" sz="900" b="1" dirty="0" smtClean="0">
-                <a:solidFill>
-                  <a:schemeClr val="tx1"/>
-                </a:solidFill>
-                <a:latin typeface="Tahoma" pitchFamily="34" charset="0"/>
-                <a:ea typeface="Tahoma" pitchFamily="34" charset="0"/>
-                <a:cs typeface="2  Mehr" panose="00000700000000000000" pitchFamily="2" charset="-78"/>
-              </a:rPr>
-              <a:t>است.</a:t>
-            </a:r>
-          </a:p>
-          <a:p>
-            <a:pPr marL="285750" indent="-285750" algn="r" rtl="1">
-              <a:lnSpc>
-                <a:spcPts val="2800"/>
-              </a:lnSpc>
-              <a:buClr>
-                <a:srgbClr val="FF0000"/>
-              </a:buClr>
-              <a:buFont typeface="Wingdings" panose="05000000000000000000" pitchFamily="2" charset="2"/>
-              <a:buChar char="ü"/>
-            </a:pPr>
-            <a:endParaRPr lang="fa-IR" sz="900" b="1" dirty="0" smtClean="0">
-              <a:solidFill>
-                <a:schemeClr val="tx1"/>
-              </a:solidFill>
-              <a:latin typeface="Tahoma" pitchFamily="34" charset="0"/>
-              <a:ea typeface="Tahoma" pitchFamily="34" charset="0"/>
-              <a:cs typeface="2  Mehr" panose="00000700000000000000" pitchFamily="2" charset="-78"/>
-            </a:endParaRPr>
-          </a:p>
-          <a:p>
-            <a:pPr marL="285750" indent="-285750" algn="r" rtl="1">
-              <a:lnSpc>
-                <a:spcPts val="2800"/>
-              </a:lnSpc>
-              <a:buClr>
-                <a:srgbClr val="FF0000"/>
-              </a:buClr>
-              <a:buFont typeface="Wingdings" panose="05000000000000000000" pitchFamily="2" charset="2"/>
-              <a:buChar char="ü"/>
-            </a:pPr>
-            <a:endParaRPr lang="fa-IR" sz="900" b="1" dirty="0" smtClean="0">
-              <a:solidFill>
-                <a:schemeClr val="tx1"/>
-              </a:solidFill>
-              <a:latin typeface="Tahoma" pitchFamily="34" charset="0"/>
-              <a:ea typeface="Tahoma" pitchFamily="34" charset="0"/>
-              <a:cs typeface="2  Mehr" panose="00000700000000000000" pitchFamily="2" charset="-78"/>
-            </a:endParaRPr>
-          </a:p>
-          <a:p>
-            <a:pPr marL="285750" indent="-285750" algn="r" rtl="1">
-              <a:lnSpc>
-                <a:spcPts val="2800"/>
-              </a:lnSpc>
-              <a:buClr>
-                <a:srgbClr val="FF0000"/>
-              </a:buClr>
-              <a:buFont typeface="Wingdings" panose="05000000000000000000" pitchFamily="2" charset="2"/>
-              <a:buChar char="ü"/>
-            </a:pPr>
-            <a:endParaRPr lang="fa-IR" sz="900" b="1" dirty="0" smtClean="0">
+            <a:endParaRPr lang="fa-IR" sz="1600" b="1" dirty="0" smtClean="0">
               <a:solidFill>
                 <a:schemeClr val="tx1"/>
               </a:solidFill>
